--- a/AutoLayout.pptx
+++ b/AutoLayout.pptx
@@ -18,6 +18,15 @@
     <p:sldId id="266" r:id="rId12"/>
     <p:sldId id="267" r:id="rId13"/>
     <p:sldId id="268" r:id="rId14"/>
+    <p:sldId id="270" r:id="rId15"/>
+    <p:sldId id="271" r:id="rId16"/>
+    <p:sldId id="272" r:id="rId17"/>
+    <p:sldId id="269" r:id="rId18"/>
+    <p:sldId id="273" r:id="rId19"/>
+    <p:sldId id="274" r:id="rId20"/>
+    <p:sldId id="275" r:id="rId21"/>
+    <p:sldId id="276" r:id="rId22"/>
+    <p:sldId id="277" r:id="rId23"/>
   </p:sldIdLst>
   <p:sldSz cx="9144000" cy="6858000" type="screen4x3"/>
   <p:notesSz cx="6858000" cy="9144000"/>
@@ -300,7 +309,7 @@
           <a:p>
             <a:fld id="{3D89B229-22D9-4E41-AAEE-F3F823EF8786}" type="datetimeFigureOut">
               <a:rPr kumimoji="1" lang="zh-CN" altLang="en-US" smtClean="0"/>
-              <a:t>17/9/24</a:t>
+              <a:t>17/9/26</a:t>
             </a:fld>
             <a:endParaRPr kumimoji="1" lang="zh-CN" altLang="en-US"/>
           </a:p>
@@ -471,7 +480,7 @@
           <a:p>
             <a:fld id="{3D89B229-22D9-4E41-AAEE-F3F823EF8786}" type="datetimeFigureOut">
               <a:rPr kumimoji="1" lang="zh-CN" altLang="en-US" smtClean="0"/>
-              <a:t>17/9/24</a:t>
+              <a:t>17/9/26</a:t>
             </a:fld>
             <a:endParaRPr kumimoji="1" lang="zh-CN" altLang="en-US"/>
           </a:p>
@@ -651,7 +660,7 @@
           <a:p>
             <a:fld id="{3D89B229-22D9-4E41-AAEE-F3F823EF8786}" type="datetimeFigureOut">
               <a:rPr kumimoji="1" lang="zh-CN" altLang="en-US" smtClean="0"/>
-              <a:t>17/9/24</a:t>
+              <a:t>17/9/26</a:t>
             </a:fld>
             <a:endParaRPr kumimoji="1" lang="zh-CN" altLang="en-US"/>
           </a:p>
@@ -821,7 +830,7 @@
           <a:p>
             <a:fld id="{3D89B229-22D9-4E41-AAEE-F3F823EF8786}" type="datetimeFigureOut">
               <a:rPr kumimoji="1" lang="zh-CN" altLang="en-US" smtClean="0"/>
-              <a:t>17/9/24</a:t>
+              <a:t>17/9/26</a:t>
             </a:fld>
             <a:endParaRPr kumimoji="1" lang="zh-CN" altLang="en-US"/>
           </a:p>
@@ -1067,7 +1076,7 @@
           <a:p>
             <a:fld id="{3D89B229-22D9-4E41-AAEE-F3F823EF8786}" type="datetimeFigureOut">
               <a:rPr kumimoji="1" lang="zh-CN" altLang="en-US" smtClean="0"/>
-              <a:t>17/9/24</a:t>
+              <a:t>17/9/26</a:t>
             </a:fld>
             <a:endParaRPr kumimoji="1" lang="zh-CN" altLang="en-US"/>
           </a:p>
@@ -1355,7 +1364,7 @@
           <a:p>
             <a:fld id="{3D89B229-22D9-4E41-AAEE-F3F823EF8786}" type="datetimeFigureOut">
               <a:rPr kumimoji="1" lang="zh-CN" altLang="en-US" smtClean="0"/>
-              <a:t>17/9/24</a:t>
+              <a:t>17/9/26</a:t>
             </a:fld>
             <a:endParaRPr kumimoji="1" lang="zh-CN" altLang="en-US"/>
           </a:p>
@@ -1777,7 +1786,7 @@
           <a:p>
             <a:fld id="{3D89B229-22D9-4E41-AAEE-F3F823EF8786}" type="datetimeFigureOut">
               <a:rPr kumimoji="1" lang="zh-CN" altLang="en-US" smtClean="0"/>
-              <a:t>17/9/24</a:t>
+              <a:t>17/9/26</a:t>
             </a:fld>
             <a:endParaRPr kumimoji="1" lang="zh-CN" altLang="en-US"/>
           </a:p>
@@ -1895,7 +1904,7 @@
           <a:p>
             <a:fld id="{3D89B229-22D9-4E41-AAEE-F3F823EF8786}" type="datetimeFigureOut">
               <a:rPr kumimoji="1" lang="zh-CN" altLang="en-US" smtClean="0"/>
-              <a:t>17/9/24</a:t>
+              <a:t>17/9/26</a:t>
             </a:fld>
             <a:endParaRPr kumimoji="1" lang="zh-CN" altLang="en-US"/>
           </a:p>
@@ -1990,7 +1999,7 @@
           <a:p>
             <a:fld id="{3D89B229-22D9-4E41-AAEE-F3F823EF8786}" type="datetimeFigureOut">
               <a:rPr kumimoji="1" lang="zh-CN" altLang="en-US" smtClean="0"/>
-              <a:t>17/9/24</a:t>
+              <a:t>17/9/26</a:t>
             </a:fld>
             <a:endParaRPr kumimoji="1" lang="zh-CN" altLang="en-US"/>
           </a:p>
@@ -2267,7 +2276,7 @@
           <a:p>
             <a:fld id="{3D89B229-22D9-4E41-AAEE-F3F823EF8786}" type="datetimeFigureOut">
               <a:rPr kumimoji="1" lang="zh-CN" altLang="en-US" smtClean="0"/>
-              <a:t>17/9/24</a:t>
+              <a:t>17/9/26</a:t>
             </a:fld>
             <a:endParaRPr kumimoji="1" lang="zh-CN" altLang="en-US"/>
           </a:p>
@@ -2520,7 +2529,7 @@
           <a:p>
             <a:fld id="{3D89B229-22D9-4E41-AAEE-F3F823EF8786}" type="datetimeFigureOut">
               <a:rPr kumimoji="1" lang="zh-CN" altLang="en-US" smtClean="0"/>
-              <a:t>17/9/24</a:t>
+              <a:t>17/9/26</a:t>
             </a:fld>
             <a:endParaRPr kumimoji="1" lang="zh-CN" altLang="en-US"/>
           </a:p>
@@ -2733,7 +2742,7 @@
           <a:p>
             <a:fld id="{3D89B229-22D9-4E41-AAEE-F3F823EF8786}" type="datetimeFigureOut">
               <a:rPr kumimoji="1" lang="zh-CN" altLang="en-US" smtClean="0"/>
-              <a:t>17/9/24</a:t>
+              <a:t>17/9/26</a:t>
             </a:fld>
             <a:endParaRPr kumimoji="1" lang="zh-CN" altLang="en-US"/>
           </a:p>
@@ -3718,6 +3727,943 @@
 </p:sld>
 </file>
 
+<file path=ppt/slides/slide14.xml><?xml version="1.0" encoding="utf-8"?>
+<p:sld xmlns:a="http://schemas.openxmlformats.org/drawingml/2006/main" xmlns:r="http://schemas.openxmlformats.org/officeDocument/2006/relationships" xmlns:p="http://schemas.openxmlformats.org/presentationml/2006/main">
+  <p:cSld>
+    <p:spTree>
+      <p:nvGrpSpPr>
+        <p:cNvPr id="1" name=""/>
+        <p:cNvGrpSpPr/>
+        <p:nvPr/>
+      </p:nvGrpSpPr>
+      <p:grpSpPr>
+        <a:xfrm>
+          <a:off x="0" y="0"/>
+          <a:ext cx="0" cy="0"/>
+          <a:chOff x="0" y="0"/>
+          <a:chExt cx="0" cy="0"/>
+        </a:xfrm>
+      </p:grpSpPr>
+      <p:sp>
+        <p:nvSpPr>
+          <p:cNvPr id="2" name="标题 1"/>
+          <p:cNvSpPr>
+            <a:spLocks noGrp="1"/>
+          </p:cNvSpPr>
+          <p:nvPr>
+            <p:ph type="title"/>
+          </p:nvPr>
+        </p:nvSpPr>
+        <p:spPr/>
+        <p:txBody>
+          <a:bodyPr/>
+          <a:lstStyle/>
+          <a:p>
+            <a:r>
+              <a:rPr kumimoji="1" lang="en-US" altLang="zh-CN" dirty="0" err="1" smtClean="0"/>
+              <a:t>AutoLayout</a:t>
+            </a:r>
+            <a:r>
+              <a:rPr kumimoji="1" lang="zh-CN" altLang="en-US" dirty="0" smtClean="0"/>
+              <a:t>生命周期</a:t>
+            </a:r>
+            <a:endParaRPr kumimoji="1" lang="zh-CN" altLang="en-US" dirty="0"/>
+          </a:p>
+        </p:txBody>
+      </p:sp>
+      <p:sp>
+        <p:nvSpPr>
+          <p:cNvPr id="3" name="内容占位符 2"/>
+          <p:cNvSpPr>
+            <a:spLocks noGrp="1"/>
+          </p:cNvSpPr>
+          <p:nvPr>
+            <p:ph idx="1"/>
+          </p:nvPr>
+        </p:nvSpPr>
+        <p:spPr/>
+        <p:txBody>
+          <a:bodyPr>
+            <a:normAutofit fontScale="92500" lnSpcReduction="20000"/>
+          </a:bodyPr>
+          <a:lstStyle/>
+          <a:p>
+            <a:r>
+              <a:rPr kumimoji="1" lang="zh-CN" altLang="en-US" dirty="0" smtClean="0"/>
+              <a:t>布局过程</a:t>
+            </a:r>
+            <a:endParaRPr kumimoji="1" lang="en-US" altLang="zh-CN" dirty="0" smtClean="0"/>
+          </a:p>
+          <a:p>
+            <a:pPr marL="0" indent="0">
+              <a:buNone/>
+            </a:pPr>
+            <a:r>
+              <a:rPr lang="en-US" altLang="zh-CN" dirty="0" err="1"/>
+              <a:t>updateConstraints</a:t>
+            </a:r>
+            <a:r>
+              <a:rPr lang="en-US" altLang="zh-CN" dirty="0"/>
+              <a:t> -&gt; </a:t>
+            </a:r>
+            <a:r>
+              <a:rPr lang="en-US" altLang="zh-CN" dirty="0" err="1"/>
+              <a:t>layoutSubViews</a:t>
+            </a:r>
+            <a:r>
+              <a:rPr lang="en-US" altLang="zh-CN" dirty="0"/>
+              <a:t> -&gt; </a:t>
+            </a:r>
+            <a:r>
+              <a:rPr lang="en-US" altLang="zh-CN" dirty="0" err="1" smtClean="0"/>
+              <a:t>drawRect</a:t>
+            </a:r>
+            <a:endParaRPr lang="en-US" altLang="zh-CN" dirty="0" smtClean="0"/>
+          </a:p>
+          <a:p>
+            <a:pPr marL="0" indent="0">
+              <a:buNone/>
+            </a:pPr>
+            <a:endParaRPr lang="en-US" altLang="zh-CN" dirty="0" smtClean="0"/>
+          </a:p>
+          <a:p>
+            <a:r>
+              <a:rPr lang="en-US" altLang="zh-CN" b="1" dirty="0" err="1"/>
+              <a:t>viewDidLayoutSubviews</a:t>
+            </a:r>
+            <a:r>
+              <a:rPr lang="zh-CN" altLang="en-US" dirty="0"/>
+              <a:t>，</a:t>
+            </a:r>
+            <a:r>
+              <a:rPr lang="en-US" altLang="zh-CN" b="1" dirty="0"/>
+              <a:t>-</a:t>
+            </a:r>
+            <a:r>
+              <a:rPr lang="en-US" altLang="zh-CN" b="1" dirty="0" err="1"/>
+              <a:t>layoutSubviews</a:t>
+            </a:r>
+            <a:endParaRPr lang="en-US" altLang="zh-CN" b="1" dirty="0"/>
+          </a:p>
+          <a:p>
+            <a:pPr marL="0" indent="0">
+              <a:buNone/>
+            </a:pPr>
+            <a:r>
+              <a:rPr lang="zh-CN" altLang="en-US" dirty="0"/>
+              <a:t>使用</a:t>
+            </a:r>
+            <a:r>
+              <a:rPr lang="en-US" altLang="zh-CN" dirty="0"/>
+              <a:t>Auto Layout</a:t>
+            </a:r>
+            <a:r>
+              <a:rPr lang="zh-CN" altLang="en-US" dirty="0"/>
+              <a:t>的</a:t>
+            </a:r>
+            <a:r>
+              <a:rPr lang="en-US" altLang="zh-CN" dirty="0"/>
+              <a:t>view</a:t>
+            </a:r>
+            <a:r>
+              <a:rPr lang="zh-CN" altLang="en-US" dirty="0"/>
+              <a:t>会在</a:t>
+            </a:r>
+            <a:r>
+              <a:rPr lang="en-US" altLang="zh-CN" dirty="0" err="1"/>
+              <a:t>viewDidLayoutSubviews</a:t>
+            </a:r>
+            <a:r>
+              <a:rPr lang="zh-CN" altLang="en-US" dirty="0" smtClean="0"/>
+              <a:t>或</a:t>
+            </a:r>
+            <a:r>
+              <a:rPr lang="en-US" altLang="zh-CN" dirty="0" err="1" smtClean="0"/>
+              <a:t>layoutSubview</a:t>
+            </a:r>
+            <a:r>
+              <a:rPr lang="zh-CN" altLang="en-US" dirty="0"/>
+              <a:t>调用</a:t>
+            </a:r>
+            <a:r>
+              <a:rPr lang="en-US" altLang="zh-CN" dirty="0"/>
+              <a:t>super</a:t>
+            </a:r>
+            <a:r>
+              <a:rPr lang="zh-CN" altLang="en-US" dirty="0"/>
+              <a:t>转换成具有正确显示的</a:t>
+            </a:r>
+            <a:r>
+              <a:rPr lang="en-US" altLang="zh-CN" dirty="0"/>
+              <a:t>frame</a:t>
+            </a:r>
+            <a:r>
+              <a:rPr lang="zh-CN" altLang="en-US" dirty="0"/>
+              <a:t>值</a:t>
+            </a:r>
+            <a:r>
+              <a:rPr lang="zh-CN" altLang="en-US" dirty="0" smtClean="0"/>
+              <a:t>。</a:t>
+            </a:r>
+            <a:endParaRPr lang="en-US" altLang="zh-CN" dirty="0" smtClean="0"/>
+          </a:p>
+          <a:p>
+            <a:pPr marL="0" indent="0">
+              <a:buNone/>
+            </a:pPr>
+            <a:endParaRPr lang="en-US" altLang="zh-CN" dirty="0" smtClean="0"/>
+          </a:p>
+          <a:p>
+            <a:r>
+              <a:rPr lang="en-US" altLang="zh-CN" dirty="0"/>
+              <a:t>- (void)</a:t>
+            </a:r>
+            <a:r>
+              <a:rPr lang="en-US" altLang="zh-CN" dirty="0" err="1"/>
+              <a:t>setNeedsLayout</a:t>
+            </a:r>
+            <a:r>
+              <a:rPr lang="en-US" altLang="zh-CN" dirty="0"/>
+              <a:t>;</a:t>
+            </a:r>
+          </a:p>
+          <a:p>
+            <a:r>
+              <a:rPr lang="en-US" altLang="zh-CN" dirty="0"/>
+              <a:t>- (void)</a:t>
+            </a:r>
+            <a:r>
+              <a:rPr lang="en-US" altLang="zh-CN" dirty="0" err="1"/>
+              <a:t>layoutIfNeeded</a:t>
+            </a:r>
+            <a:r>
+              <a:rPr lang="en-US" altLang="zh-CN" dirty="0"/>
+              <a:t>;</a:t>
+            </a:r>
+          </a:p>
+          <a:p>
+            <a:pPr marL="0" indent="0">
+              <a:buNone/>
+            </a:pPr>
+            <a:endParaRPr lang="en-US" altLang="zh-CN" dirty="0"/>
+          </a:p>
+          <a:p>
+            <a:pPr marL="0" indent="0">
+              <a:buNone/>
+            </a:pPr>
+            <a:endParaRPr lang="en-US" altLang="zh-CN" dirty="0"/>
+          </a:p>
+          <a:p>
+            <a:endParaRPr kumimoji="1" lang="zh-CN" altLang="en-US" dirty="0"/>
+          </a:p>
+        </p:txBody>
+      </p:sp>
+    </p:spTree>
+    <p:extLst>
+      <p:ext uri="{BB962C8B-B14F-4D97-AF65-F5344CB8AC3E}">
+        <p14:creationId xmlns:p14="http://schemas.microsoft.com/office/powerpoint/2010/main" val="32001910"/>
+      </p:ext>
+    </p:extLst>
+  </p:cSld>
+  <p:clrMapOvr>
+    <a:masterClrMapping/>
+  </p:clrMapOvr>
+</p:sld>
+</file>
+
+<file path=ppt/slides/slide15.xml><?xml version="1.0" encoding="utf-8"?>
+<p:sld xmlns:a="http://schemas.openxmlformats.org/drawingml/2006/main" xmlns:r="http://schemas.openxmlformats.org/officeDocument/2006/relationships" xmlns:p="http://schemas.openxmlformats.org/presentationml/2006/main">
+  <p:cSld>
+    <p:spTree>
+      <p:nvGrpSpPr>
+        <p:cNvPr id="1" name=""/>
+        <p:cNvGrpSpPr/>
+        <p:nvPr/>
+      </p:nvGrpSpPr>
+      <p:grpSpPr>
+        <a:xfrm>
+          <a:off x="0" y="0"/>
+          <a:ext cx="0" cy="0"/>
+          <a:chOff x="0" y="0"/>
+          <a:chExt cx="0" cy="0"/>
+        </a:xfrm>
+      </p:grpSpPr>
+      <p:sp>
+        <p:nvSpPr>
+          <p:cNvPr id="2" name="标题 1"/>
+          <p:cNvSpPr>
+            <a:spLocks noGrp="1"/>
+          </p:cNvSpPr>
+          <p:nvPr>
+            <p:ph type="title"/>
+          </p:nvPr>
+        </p:nvSpPr>
+        <p:spPr/>
+        <p:txBody>
+          <a:bodyPr/>
+          <a:lstStyle/>
+          <a:p>
+            <a:r>
+              <a:rPr kumimoji="1" lang="en-US" altLang="zh-CN" dirty="0" smtClean="0"/>
+              <a:t>VFL</a:t>
+            </a:r>
+            <a:endParaRPr kumimoji="1" lang="zh-CN" altLang="en-US" dirty="0"/>
+          </a:p>
+        </p:txBody>
+      </p:sp>
+      <p:sp>
+        <p:nvSpPr>
+          <p:cNvPr id="3" name="内容占位符 2"/>
+          <p:cNvSpPr>
+            <a:spLocks noGrp="1"/>
+          </p:cNvSpPr>
+          <p:nvPr>
+            <p:ph idx="1"/>
+          </p:nvPr>
+        </p:nvSpPr>
+        <p:spPr/>
+        <p:txBody>
+          <a:bodyPr/>
+          <a:lstStyle/>
+          <a:p>
+            <a:endParaRPr kumimoji="1" lang="zh-CN" altLang="en-US"/>
+          </a:p>
+        </p:txBody>
+      </p:sp>
+    </p:spTree>
+    <p:extLst>
+      <p:ext uri="{BB962C8B-B14F-4D97-AF65-F5344CB8AC3E}">
+        <p14:creationId xmlns:p14="http://schemas.microsoft.com/office/powerpoint/2010/main" val="2437544844"/>
+      </p:ext>
+    </p:extLst>
+  </p:cSld>
+  <p:clrMapOvr>
+    <a:masterClrMapping/>
+  </p:clrMapOvr>
+</p:sld>
+</file>
+
+<file path=ppt/slides/slide16.xml><?xml version="1.0" encoding="utf-8"?>
+<p:sld xmlns:a="http://schemas.openxmlformats.org/drawingml/2006/main" xmlns:r="http://schemas.openxmlformats.org/officeDocument/2006/relationships" xmlns:p="http://schemas.openxmlformats.org/presentationml/2006/main">
+  <p:cSld>
+    <p:spTree>
+      <p:nvGrpSpPr>
+        <p:cNvPr id="1" name=""/>
+        <p:cNvGrpSpPr/>
+        <p:nvPr/>
+      </p:nvGrpSpPr>
+      <p:grpSpPr>
+        <a:xfrm>
+          <a:off x="0" y="0"/>
+          <a:ext cx="0" cy="0"/>
+          <a:chOff x="0" y="0"/>
+          <a:chExt cx="0" cy="0"/>
+        </a:xfrm>
+      </p:grpSpPr>
+      <p:sp>
+        <p:nvSpPr>
+          <p:cNvPr id="2" name="标题 1"/>
+          <p:cNvSpPr>
+            <a:spLocks noGrp="1"/>
+          </p:cNvSpPr>
+          <p:nvPr>
+            <p:ph type="title"/>
+          </p:nvPr>
+        </p:nvSpPr>
+        <p:spPr/>
+        <p:txBody>
+          <a:bodyPr/>
+          <a:lstStyle/>
+          <a:p>
+            <a:r>
+              <a:rPr kumimoji="1" lang="en-US" altLang="zh-CN" dirty="0" err="1" smtClean="0"/>
+              <a:t>AutoLayout</a:t>
+            </a:r>
+            <a:r>
+              <a:rPr kumimoji="1" lang="en-US" altLang="zh-CN" dirty="0" smtClean="0"/>
+              <a:t> Debug</a:t>
+            </a:r>
+            <a:endParaRPr kumimoji="1" lang="zh-CN" altLang="en-US" dirty="0"/>
+          </a:p>
+        </p:txBody>
+      </p:sp>
+      <p:sp>
+        <p:nvSpPr>
+          <p:cNvPr id="3" name="内容占位符 2"/>
+          <p:cNvSpPr>
+            <a:spLocks noGrp="1"/>
+          </p:cNvSpPr>
+          <p:nvPr>
+            <p:ph idx="1"/>
+          </p:nvPr>
+        </p:nvSpPr>
+        <p:spPr/>
+        <p:txBody>
+          <a:bodyPr>
+            <a:normAutofit fontScale="92500" lnSpcReduction="20000"/>
+          </a:bodyPr>
+          <a:lstStyle/>
+          <a:p>
+            <a:r>
+              <a:rPr lang="en-US" altLang="zh-CN" dirty="0" err="1"/>
+              <a:t>Unsatisfiable</a:t>
+            </a:r>
+            <a:r>
+              <a:rPr lang="en-US" altLang="zh-CN" dirty="0"/>
+              <a:t> Layouts</a:t>
+            </a:r>
+            <a:r>
+              <a:rPr lang="zh-CN" altLang="en-US" dirty="0"/>
+              <a:t>：约束冲突，同一时刻约束没法同时满足。系统发现时会先检测那些冲突的约束，然后会一直拆掉冲突的约束再检查布局直到找到合适的布局，最后日志会将冲突的约束和拆掉的约束打印在控制台上。</a:t>
+            </a:r>
+          </a:p>
+          <a:p>
+            <a:r>
+              <a:rPr lang="en-US" altLang="zh-CN" dirty="0"/>
+              <a:t>Ambiguous Layouts</a:t>
+            </a:r>
+            <a:r>
+              <a:rPr lang="zh-CN" altLang="en-US" dirty="0"/>
+              <a:t>：约束有缺失，比如说位置或者大小没有全指定到。还有种情况就是两个冲突的约束的权重是一样的就会崩。</a:t>
+            </a:r>
+          </a:p>
+          <a:p>
+            <a:r>
+              <a:rPr lang="en-US" altLang="zh-TW" dirty="0"/>
+              <a:t>Logical Errors</a:t>
+            </a:r>
+            <a:r>
+              <a:rPr lang="zh-TW" altLang="en-US" dirty="0"/>
+              <a:t>：布局中的逻辑错误。</a:t>
+            </a:r>
+          </a:p>
+          <a:p>
+            <a:r>
+              <a:rPr lang="zh-TW" altLang="en-US" dirty="0"/>
+              <a:t>不含视图项的约束不合法，每个约束至少需要引用一个视图，不</a:t>
+            </a:r>
+            <a:r>
+              <a:rPr lang="zh-TW" altLang="en-US" dirty="0" smtClean="0"/>
+              <a:t>然会</a:t>
+            </a:r>
+            <a:r>
+              <a:rPr lang="en-US" altLang="zh-CN" dirty="0" smtClean="0"/>
+              <a:t>Crash</a:t>
+            </a:r>
+            <a:r>
+              <a:rPr lang="zh-TW" altLang="en-US" dirty="0" smtClean="0"/>
+              <a:t>。</a:t>
+            </a:r>
+            <a:endParaRPr kumimoji="1" lang="zh-CN" altLang="en-US" dirty="0"/>
+          </a:p>
+        </p:txBody>
+      </p:sp>
+    </p:spTree>
+    <p:extLst>
+      <p:ext uri="{BB962C8B-B14F-4D97-AF65-F5344CB8AC3E}">
+        <p14:creationId xmlns:p14="http://schemas.microsoft.com/office/powerpoint/2010/main" val="3623913424"/>
+      </p:ext>
+    </p:extLst>
+  </p:cSld>
+  <p:clrMapOvr>
+    <a:masterClrMapping/>
+  </p:clrMapOvr>
+</p:sld>
+</file>
+
+<file path=ppt/slides/slide17.xml><?xml version="1.0" encoding="utf-8"?>
+<p:sld xmlns:a="http://schemas.openxmlformats.org/drawingml/2006/main" xmlns:r="http://schemas.openxmlformats.org/officeDocument/2006/relationships" xmlns:p="http://schemas.openxmlformats.org/presentationml/2006/main">
+  <p:cSld>
+    <p:spTree>
+      <p:nvGrpSpPr>
+        <p:cNvPr id="1" name=""/>
+        <p:cNvGrpSpPr/>
+        <p:nvPr/>
+      </p:nvGrpSpPr>
+      <p:grpSpPr>
+        <a:xfrm>
+          <a:off x="0" y="0"/>
+          <a:ext cx="0" cy="0"/>
+          <a:chOff x="0" y="0"/>
+          <a:chExt cx="0" cy="0"/>
+        </a:xfrm>
+      </p:grpSpPr>
+      <p:sp>
+        <p:nvSpPr>
+          <p:cNvPr id="2" name="标题 1"/>
+          <p:cNvSpPr>
+            <a:spLocks noGrp="1"/>
+          </p:cNvSpPr>
+          <p:nvPr>
+            <p:ph type="title"/>
+          </p:nvPr>
+        </p:nvSpPr>
+        <p:spPr/>
+        <p:txBody>
+          <a:bodyPr/>
+          <a:lstStyle/>
+          <a:p>
+            <a:r>
+              <a:rPr kumimoji="1" lang="en-US" altLang="zh-CN" dirty="0" err="1" smtClean="0"/>
+              <a:t>AutoLayout</a:t>
+            </a:r>
+            <a:r>
+              <a:rPr kumimoji="1" lang="zh-CN" altLang="en-US" dirty="0" smtClean="0"/>
+              <a:t>原理</a:t>
+            </a:r>
+            <a:endParaRPr kumimoji="1" lang="zh-CN" altLang="en-US" dirty="0"/>
+          </a:p>
+        </p:txBody>
+      </p:sp>
+      <p:sp>
+        <p:nvSpPr>
+          <p:cNvPr id="3" name="内容占位符 2"/>
+          <p:cNvSpPr>
+            <a:spLocks noGrp="1"/>
+          </p:cNvSpPr>
+          <p:nvPr>
+            <p:ph idx="1"/>
+          </p:nvPr>
+        </p:nvSpPr>
+        <p:spPr/>
+        <p:txBody>
+          <a:bodyPr/>
+          <a:lstStyle/>
+          <a:p>
+            <a:r>
+              <a:rPr lang="en-US" altLang="zh-CN" dirty="0" err="1" smtClean="0"/>
+              <a:t>AutoLayout</a:t>
+            </a:r>
+            <a:r>
+              <a:rPr lang="zh-CN" altLang="en-US" dirty="0" smtClean="0"/>
+              <a:t>基于</a:t>
+            </a:r>
+            <a:r>
+              <a:rPr lang="en-US" altLang="zh-CN" dirty="0" smtClean="0"/>
+              <a:t>Cassowary</a:t>
+            </a:r>
+            <a:r>
+              <a:rPr lang="zh-CN" altLang="en-US" dirty="0" smtClean="0"/>
+              <a:t>算法</a:t>
+            </a:r>
+            <a:r>
+              <a:rPr lang="zh-CN" altLang="en-US" dirty="0" smtClean="0"/>
+              <a:t>。</a:t>
+            </a:r>
+            <a:r>
+              <a:rPr lang="zh-CN" altLang="en-US" dirty="0" smtClean="0"/>
+              <a:t>它通过将布局问题抽象成线</a:t>
+            </a:r>
+            <a:r>
+              <a:rPr lang="zh-CN" altLang="en-US" dirty="0"/>
+              <a:t>性等式和不等式约束来进行求解</a:t>
+            </a:r>
+            <a:r>
+              <a:rPr lang="zh-CN" altLang="en-US" dirty="0" smtClean="0"/>
+              <a:t>。</a:t>
+            </a:r>
+            <a:endParaRPr lang="en-US" altLang="zh-CN" dirty="0" smtClean="0"/>
+          </a:p>
+          <a:p>
+            <a:endParaRPr lang="en-US" altLang="zh-CN" dirty="0" smtClean="0"/>
+          </a:p>
+          <a:p>
+            <a:r>
+              <a:rPr lang="en-US" altLang="zh-CN" dirty="0" err="1" smtClean="0"/>
+              <a:t>AutoLayout</a:t>
+            </a:r>
+            <a:r>
+              <a:rPr lang="zh-CN" altLang="en-US" dirty="0" smtClean="0"/>
+              <a:t>其实做了两件事情</a:t>
+            </a:r>
+            <a:endParaRPr lang="en-US" altLang="zh-CN" dirty="0" smtClean="0"/>
+          </a:p>
+          <a:p>
+            <a:pPr>
+              <a:buFontTx/>
+              <a:buChar char="-"/>
+            </a:pPr>
+            <a:r>
+              <a:rPr lang="zh-CN" altLang="en-US" dirty="0" smtClean="0"/>
+              <a:t>求解线性方程组</a:t>
+            </a:r>
+            <a:endParaRPr lang="en-US" altLang="zh-CN" dirty="0" smtClean="0"/>
+          </a:p>
+          <a:p>
+            <a:pPr>
+              <a:buFontTx/>
+              <a:buChar char="-"/>
+            </a:pPr>
+            <a:r>
+              <a:rPr lang="zh-CN" altLang="en-US" dirty="0" smtClean="0"/>
+              <a:t>设置</a:t>
+            </a:r>
+            <a:r>
+              <a:rPr lang="en-US" altLang="zh-CN" dirty="0" smtClean="0"/>
+              <a:t>frame</a:t>
+            </a:r>
+            <a:endParaRPr lang="zh-CN" altLang="en-US" dirty="0"/>
+          </a:p>
+        </p:txBody>
+      </p:sp>
+    </p:spTree>
+    <p:extLst>
+      <p:ext uri="{BB962C8B-B14F-4D97-AF65-F5344CB8AC3E}">
+        <p14:creationId xmlns:p14="http://schemas.microsoft.com/office/powerpoint/2010/main" val="3202329635"/>
+      </p:ext>
+    </p:extLst>
+  </p:cSld>
+  <p:clrMapOvr>
+    <a:masterClrMapping/>
+  </p:clrMapOvr>
+</p:sld>
+</file>
+
+<file path=ppt/slides/slide18.xml><?xml version="1.0" encoding="utf-8"?>
+<p:sld xmlns:a="http://schemas.openxmlformats.org/drawingml/2006/main" xmlns:r="http://schemas.openxmlformats.org/officeDocument/2006/relationships" xmlns:p="http://schemas.openxmlformats.org/presentationml/2006/main">
+  <p:cSld>
+    <p:spTree>
+      <p:nvGrpSpPr>
+        <p:cNvPr id="1" name=""/>
+        <p:cNvGrpSpPr/>
+        <p:nvPr/>
+      </p:nvGrpSpPr>
+      <p:grpSpPr>
+        <a:xfrm>
+          <a:off x="0" y="0"/>
+          <a:ext cx="0" cy="0"/>
+          <a:chOff x="0" y="0"/>
+          <a:chExt cx="0" cy="0"/>
+        </a:xfrm>
+      </p:grpSpPr>
+      <p:sp>
+        <p:nvSpPr>
+          <p:cNvPr id="2" name="标题 1"/>
+          <p:cNvSpPr>
+            <a:spLocks noGrp="1"/>
+          </p:cNvSpPr>
+          <p:nvPr>
+            <p:ph type="title"/>
+          </p:nvPr>
+        </p:nvSpPr>
+        <p:spPr/>
+        <p:txBody>
+          <a:bodyPr/>
+          <a:lstStyle/>
+          <a:p>
+            <a:r>
+              <a:rPr kumimoji="1" lang="en-US" altLang="zh-CN" dirty="0" err="1" smtClean="0"/>
+              <a:t>AutoLayout</a:t>
+            </a:r>
+            <a:r>
+              <a:rPr kumimoji="1" lang="zh-CN" altLang="en-US" dirty="0" smtClean="0"/>
+              <a:t>的性能</a:t>
+            </a:r>
+            <a:endParaRPr kumimoji="1" lang="zh-CN" altLang="en-US" dirty="0"/>
+          </a:p>
+        </p:txBody>
+      </p:sp>
+      <p:sp>
+        <p:nvSpPr>
+          <p:cNvPr id="3" name="内容占位符 2"/>
+          <p:cNvSpPr>
+            <a:spLocks noGrp="1"/>
+          </p:cNvSpPr>
+          <p:nvPr>
+            <p:ph idx="1"/>
+          </p:nvPr>
+        </p:nvSpPr>
+        <p:spPr/>
+        <p:txBody>
+          <a:bodyPr>
+            <a:normAutofit/>
+          </a:bodyPr>
+          <a:lstStyle/>
+          <a:p>
+            <a:r>
+              <a:rPr kumimoji="1" lang="zh-CN" altLang="en-US" sz="1200" dirty="0" smtClean="0"/>
+              <a:t>（数据基于</a:t>
+            </a:r>
+            <a:r>
+              <a:rPr lang="en-US" altLang="zh-CN" sz="1200" dirty="0"/>
+              <a:t>OS X EL Captain</a:t>
+            </a:r>
+            <a:r>
+              <a:rPr lang="zh-CN" altLang="en-US" sz="1200" dirty="0"/>
+              <a:t>，</a:t>
+            </a:r>
+            <a:r>
+              <a:rPr lang="en-US" altLang="zh-CN" sz="1200" dirty="0" err="1"/>
+              <a:t>Macbook</a:t>
+            </a:r>
+            <a:r>
+              <a:rPr lang="en-US" altLang="zh-CN" sz="1200" dirty="0"/>
+              <a:t> Air (13-inch Mid 2013</a:t>
+            </a:r>
+            <a:r>
+              <a:rPr lang="zh-CN" altLang="en-US" sz="1200" dirty="0"/>
+              <a:t>）上的 </a:t>
+            </a:r>
+            <a:r>
+              <a:rPr lang="en-US" altLang="zh-CN" sz="1200" dirty="0"/>
+              <a:t>iPhone 6s Plus </a:t>
+            </a:r>
+            <a:r>
+              <a:rPr lang="zh-CN" altLang="en-US" sz="1200" dirty="0"/>
+              <a:t>模拟器上</a:t>
+            </a:r>
+            <a:r>
+              <a:rPr lang="zh-CN" altLang="en-US" sz="1200" dirty="0" smtClean="0"/>
+              <a:t>采集的</a:t>
+            </a:r>
+            <a:r>
+              <a:rPr kumimoji="1" lang="zh-CN" altLang="en-US" sz="1200" dirty="0" smtClean="0"/>
+              <a:t>）</a:t>
+            </a:r>
+            <a:endParaRPr kumimoji="1" lang="zh-CN" altLang="en-US" sz="1200" dirty="0"/>
+          </a:p>
+        </p:txBody>
+      </p:sp>
+      <p:pic>
+        <p:nvPicPr>
+          <p:cNvPr id="4" name="图片 3"/>
+          <p:cNvPicPr>
+            <a:picLocks noChangeAspect="1"/>
+          </p:cNvPicPr>
+          <p:nvPr/>
+        </p:nvPicPr>
+        <p:blipFill>
+          <a:blip r:embed="rId2"/>
+          <a:stretch>
+            <a:fillRect/>
+          </a:stretch>
+        </p:blipFill>
+        <p:spPr>
+          <a:xfrm>
+            <a:off x="1371600" y="1984632"/>
+            <a:ext cx="5651500" cy="4068760"/>
+          </a:xfrm>
+          <a:prstGeom prst="rect">
+            <a:avLst/>
+          </a:prstGeom>
+        </p:spPr>
+      </p:pic>
+      <p:sp>
+        <p:nvSpPr>
+          <p:cNvPr id="5" name="文本框 4"/>
+          <p:cNvSpPr txBox="1"/>
+          <p:nvPr/>
+        </p:nvSpPr>
+        <p:spPr>
+          <a:xfrm>
+            <a:off x="2895600" y="6177995"/>
+            <a:ext cx="2238939" cy="369332"/>
+          </a:xfrm>
+          <a:prstGeom prst="rect">
+            <a:avLst/>
+          </a:prstGeom>
+          <a:noFill/>
+        </p:spPr>
+        <p:txBody>
+          <a:bodyPr wrap="none" rtlCol="0">
+            <a:spAutoFit/>
+          </a:bodyPr>
+          <a:lstStyle/>
+          <a:p>
+            <a:r>
+              <a:rPr kumimoji="1" lang="en-US" altLang="zh-CN" dirty="0" smtClean="0"/>
+              <a:t>100-1000</a:t>
+            </a:r>
+            <a:r>
+              <a:rPr kumimoji="1" lang="zh-CN" altLang="en-US" dirty="0" smtClean="0"/>
+              <a:t>个</a:t>
+            </a:r>
+            <a:r>
+              <a:rPr kumimoji="1" lang="en-US" altLang="zh-CN" dirty="0" smtClean="0"/>
+              <a:t>View</a:t>
+            </a:r>
+            <a:r>
+              <a:rPr kumimoji="1" lang="zh-CN" altLang="en-US" dirty="0" smtClean="0"/>
+              <a:t>布局</a:t>
+            </a:r>
+            <a:endParaRPr kumimoji="1" lang="zh-CN" altLang="en-US" dirty="0"/>
+          </a:p>
+        </p:txBody>
+      </p:sp>
+    </p:spTree>
+    <p:extLst>
+      <p:ext uri="{BB962C8B-B14F-4D97-AF65-F5344CB8AC3E}">
+        <p14:creationId xmlns:p14="http://schemas.microsoft.com/office/powerpoint/2010/main" val="2684208881"/>
+      </p:ext>
+    </p:extLst>
+  </p:cSld>
+  <p:clrMapOvr>
+    <a:masterClrMapping/>
+  </p:clrMapOvr>
+</p:sld>
+</file>
+
+<file path=ppt/slides/slide19.xml><?xml version="1.0" encoding="utf-8"?>
+<p:sld xmlns:a="http://schemas.openxmlformats.org/drawingml/2006/main" xmlns:r="http://schemas.openxmlformats.org/officeDocument/2006/relationships" xmlns:p="http://schemas.openxmlformats.org/presentationml/2006/main">
+  <p:cSld>
+    <p:spTree>
+      <p:nvGrpSpPr>
+        <p:cNvPr id="1" name=""/>
+        <p:cNvGrpSpPr/>
+        <p:nvPr/>
+      </p:nvGrpSpPr>
+      <p:grpSpPr>
+        <a:xfrm>
+          <a:off x="0" y="0"/>
+          <a:ext cx="0" cy="0"/>
+          <a:chOff x="0" y="0"/>
+          <a:chExt cx="0" cy="0"/>
+        </a:xfrm>
+      </p:grpSpPr>
+      <p:sp>
+        <p:nvSpPr>
+          <p:cNvPr id="3" name="内容占位符 2"/>
+          <p:cNvSpPr>
+            <a:spLocks noGrp="1"/>
+          </p:cNvSpPr>
+          <p:nvPr>
+            <p:ph idx="1"/>
+          </p:nvPr>
+        </p:nvSpPr>
+        <p:spPr>
+          <a:xfrm>
+            <a:off x="571500" y="444500"/>
+            <a:ext cx="8229600" cy="5554663"/>
+          </a:xfrm>
+        </p:spPr>
+        <p:txBody>
+          <a:bodyPr/>
+          <a:lstStyle/>
+          <a:p>
+            <a:pPr marL="0" indent="0">
+              <a:buNone/>
+            </a:pPr>
+            <a:r>
+              <a:rPr lang="zh-CN" altLang="en-US" dirty="0"/>
+              <a:t>想要让 </a:t>
+            </a:r>
+            <a:r>
+              <a:rPr lang="en-US" altLang="zh-CN" dirty="0" err="1"/>
+              <a:t>iOS</a:t>
+            </a:r>
+            <a:r>
+              <a:rPr lang="en-US" altLang="zh-CN" dirty="0"/>
+              <a:t> </a:t>
+            </a:r>
+            <a:r>
+              <a:rPr lang="zh-CN" altLang="en-US" dirty="0"/>
+              <a:t>应用的视图保持 </a:t>
+            </a:r>
+            <a:r>
+              <a:rPr lang="en-US" altLang="zh-CN" dirty="0"/>
+              <a:t>60 FPS </a:t>
+            </a:r>
+            <a:r>
+              <a:rPr lang="zh-CN" altLang="en-US" dirty="0"/>
+              <a:t>的刷新频率，我们必须在 </a:t>
+            </a:r>
+            <a:r>
+              <a:rPr lang="en-US" altLang="zh-CN" b="1" dirty="0"/>
+              <a:t>1/60 = 16.67 </a:t>
+            </a:r>
+            <a:r>
+              <a:rPr lang="en-US" altLang="zh-CN" b="1" dirty="0" err="1"/>
+              <a:t>ms</a:t>
+            </a:r>
+            <a:r>
+              <a:rPr lang="zh-CN" altLang="en-US" dirty="0"/>
+              <a:t> 之内完成包括布局、绘制以及渲染等操作</a:t>
+            </a:r>
+            <a:r>
+              <a:rPr lang="zh-CN" altLang="en-US" dirty="0" smtClean="0"/>
+              <a:t>。</a:t>
+            </a:r>
+            <a:endParaRPr lang="en-US" altLang="zh-CN" dirty="0" smtClean="0"/>
+          </a:p>
+          <a:p>
+            <a:pPr marL="0" indent="0">
+              <a:buNone/>
+            </a:pPr>
+            <a:endParaRPr kumimoji="1" lang="en-US" altLang="zh-CN" dirty="0"/>
+          </a:p>
+          <a:p>
+            <a:pPr marL="0" indent="0">
+              <a:buNone/>
+            </a:pPr>
+            <a:r>
+              <a:rPr lang="zh-CN" altLang="en-US" dirty="0"/>
+              <a:t>如果当前界面上的视图大于 </a:t>
+            </a:r>
+            <a:r>
+              <a:rPr lang="en-US" altLang="zh-CN" dirty="0"/>
+              <a:t>100 </a:t>
+            </a:r>
+            <a:r>
+              <a:rPr lang="zh-CN" altLang="en-US" dirty="0"/>
+              <a:t>的话，使用 </a:t>
+            </a:r>
+            <a:r>
+              <a:rPr lang="en-US" altLang="zh-CN" dirty="0"/>
+              <a:t>Auto Layout </a:t>
+            </a:r>
+            <a:r>
+              <a:rPr lang="zh-CN" altLang="en-US" dirty="0"/>
+              <a:t>是很难达到绝对流畅的要求的；而在使用 </a:t>
+            </a:r>
+            <a:r>
+              <a:rPr lang="en-US" altLang="zh-CN" dirty="0"/>
+              <a:t>frame</a:t>
+            </a:r>
+            <a:r>
+              <a:rPr lang="zh-CN" altLang="en-US" dirty="0"/>
+              <a:t> 时，同一个界面下哪怕有 </a:t>
+            </a:r>
+            <a:r>
+              <a:rPr lang="en-US" altLang="zh-CN" dirty="0"/>
+              <a:t>500 </a:t>
+            </a:r>
+            <a:r>
+              <a:rPr lang="zh-CN" altLang="en-US" dirty="0"/>
+              <a:t>个视图，也是可以在 </a:t>
+            </a:r>
+            <a:r>
+              <a:rPr lang="en-US" altLang="zh-CN" dirty="0"/>
+              <a:t>16.67 </a:t>
+            </a:r>
+            <a:r>
+              <a:rPr lang="en-US" altLang="zh-CN" dirty="0" err="1"/>
+              <a:t>ms</a:t>
+            </a:r>
+            <a:r>
+              <a:rPr lang="en-US" altLang="zh-CN" dirty="0"/>
+              <a:t> </a:t>
+            </a:r>
+            <a:r>
+              <a:rPr lang="zh-CN" altLang="en-US" dirty="0"/>
+              <a:t>之内完成布局的。</a:t>
+            </a:r>
+            <a:endParaRPr kumimoji="1" lang="zh-CN" altLang="en-US" dirty="0"/>
+          </a:p>
+        </p:txBody>
+      </p:sp>
+    </p:spTree>
+    <p:extLst>
+      <p:ext uri="{BB962C8B-B14F-4D97-AF65-F5344CB8AC3E}">
+        <p14:creationId xmlns:p14="http://schemas.microsoft.com/office/powerpoint/2010/main" val="1165244499"/>
+      </p:ext>
+    </p:extLst>
+  </p:cSld>
+  <p:clrMapOvr>
+    <a:masterClrMapping/>
+  </p:clrMapOvr>
+</p:sld>
+</file>
+
 <file path=ppt/slides/slide2.xml><?xml version="1.0" encoding="utf-8"?>
 <p:sld xmlns:a="http://schemas.openxmlformats.org/drawingml/2006/main" xmlns:r="http://schemas.openxmlformats.org/officeDocument/2006/relationships" xmlns:p="http://schemas.openxmlformats.org/presentationml/2006/main">
   <p:cSld>
@@ -3877,6 +4823,453 @@
     <p:extLst>
       <p:ext uri="{BB962C8B-B14F-4D97-AF65-F5344CB8AC3E}">
         <p14:creationId xmlns:p14="http://schemas.microsoft.com/office/powerpoint/2010/main" val="4011161379"/>
+      </p:ext>
+    </p:extLst>
+  </p:cSld>
+  <p:clrMapOvr>
+    <a:masterClrMapping/>
+  </p:clrMapOvr>
+</p:sld>
+</file>
+
+<file path=ppt/slides/slide20.xml><?xml version="1.0" encoding="utf-8"?>
+<p:sld xmlns:a="http://schemas.openxmlformats.org/drawingml/2006/main" xmlns:r="http://schemas.openxmlformats.org/officeDocument/2006/relationships" xmlns:p="http://schemas.openxmlformats.org/presentationml/2006/main">
+  <p:cSld>
+    <p:spTree>
+      <p:nvGrpSpPr>
+        <p:cNvPr id="1" name=""/>
+        <p:cNvGrpSpPr/>
+        <p:nvPr/>
+      </p:nvGrpSpPr>
+      <p:grpSpPr>
+        <a:xfrm>
+          <a:off x="0" y="0"/>
+          <a:ext cx="0" cy="0"/>
+          <a:chOff x="0" y="0"/>
+          <a:chExt cx="0" cy="0"/>
+        </a:xfrm>
+      </p:grpSpPr>
+      <p:pic>
+        <p:nvPicPr>
+          <p:cNvPr id="4" name="图片 3"/>
+          <p:cNvPicPr>
+            <a:picLocks noChangeAspect="1"/>
+          </p:cNvPicPr>
+          <p:nvPr/>
+        </p:nvPicPr>
+        <p:blipFill>
+          <a:blip r:embed="rId2"/>
+          <a:stretch>
+            <a:fillRect/>
+          </a:stretch>
+        </p:blipFill>
+        <p:spPr>
+          <a:xfrm>
+            <a:off x="838200" y="266700"/>
+            <a:ext cx="7632700" cy="5114240"/>
+          </a:xfrm>
+          <a:prstGeom prst="rect">
+            <a:avLst/>
+          </a:prstGeom>
+        </p:spPr>
+      </p:pic>
+      <p:sp>
+        <p:nvSpPr>
+          <p:cNvPr id="5" name="文本框 4"/>
+          <p:cNvSpPr txBox="1"/>
+          <p:nvPr/>
+        </p:nvSpPr>
+        <p:spPr>
+          <a:xfrm>
+            <a:off x="1841500" y="5758934"/>
+            <a:ext cx="5239422" cy="646331"/>
+          </a:xfrm>
+          <a:prstGeom prst="rect">
+            <a:avLst/>
+          </a:prstGeom>
+          <a:noFill/>
+        </p:spPr>
+        <p:txBody>
+          <a:bodyPr wrap="none" rtlCol="0">
+            <a:spAutoFit/>
+          </a:bodyPr>
+          <a:lstStyle/>
+          <a:p>
+            <a:r>
+              <a:rPr lang="zh-CN" altLang="en-US" dirty="0" smtClean="0"/>
+              <a:t>当对</a:t>
+            </a:r>
+            <a:r>
+              <a:rPr lang="en-US" altLang="zh-CN" b="1" dirty="0" smtClean="0"/>
+              <a:t>30 </a:t>
+            </a:r>
+            <a:r>
+              <a:rPr lang="zh-CN" altLang="en-US" b="1" dirty="0"/>
+              <a:t>个左右视图</a:t>
+            </a:r>
+            <a:r>
+              <a:rPr lang="zh-CN" altLang="en-US" dirty="0"/>
+              <a:t>使用 </a:t>
+            </a:r>
+            <a:r>
+              <a:rPr lang="en-US" altLang="zh-CN" dirty="0"/>
+              <a:t>Auto Layout </a:t>
+            </a:r>
+            <a:r>
+              <a:rPr lang="zh-CN" altLang="en-US" dirty="0"/>
+              <a:t>进行布局时</a:t>
+            </a:r>
+            <a:r>
+              <a:rPr lang="zh-CN" altLang="en-US" dirty="0" smtClean="0"/>
+              <a:t>，</a:t>
+            </a:r>
+            <a:endParaRPr lang="en-US" altLang="zh-CN" dirty="0" smtClean="0"/>
+          </a:p>
+          <a:p>
+            <a:r>
+              <a:rPr lang="zh-CN" altLang="en-US" dirty="0" smtClean="0"/>
+              <a:t>所</a:t>
+            </a:r>
+            <a:r>
+              <a:rPr lang="zh-CN" altLang="en-US" dirty="0"/>
+              <a:t>需要的时间就会在 </a:t>
+            </a:r>
+            <a:r>
+              <a:rPr lang="en-US" altLang="zh-CN" dirty="0"/>
+              <a:t>16.67 </a:t>
+            </a:r>
+            <a:r>
+              <a:rPr lang="en-US" altLang="zh-CN" dirty="0" err="1"/>
+              <a:t>ms</a:t>
+            </a:r>
+            <a:r>
+              <a:rPr lang="en-US" altLang="zh-CN" dirty="0"/>
+              <a:t> </a:t>
+            </a:r>
+            <a:r>
+              <a:rPr lang="zh-CN" altLang="en-US" dirty="0"/>
+              <a:t>左右</a:t>
+            </a:r>
+            <a:endParaRPr kumimoji="1" lang="zh-CN" altLang="en-US" dirty="0"/>
+          </a:p>
+        </p:txBody>
+      </p:sp>
+    </p:spTree>
+    <p:extLst>
+      <p:ext uri="{BB962C8B-B14F-4D97-AF65-F5344CB8AC3E}">
+        <p14:creationId xmlns:p14="http://schemas.microsoft.com/office/powerpoint/2010/main" val="204567906"/>
+      </p:ext>
+    </p:extLst>
+  </p:cSld>
+  <p:clrMapOvr>
+    <a:masterClrMapping/>
+  </p:clrMapOvr>
+</p:sld>
+</file>
+
+<file path=ppt/slides/slide21.xml><?xml version="1.0" encoding="utf-8"?>
+<p:sld xmlns:a="http://schemas.openxmlformats.org/drawingml/2006/main" xmlns:r="http://schemas.openxmlformats.org/officeDocument/2006/relationships" xmlns:p="http://schemas.openxmlformats.org/presentationml/2006/main">
+  <p:cSld>
+    <p:spTree>
+      <p:nvGrpSpPr>
+        <p:cNvPr id="1" name=""/>
+        <p:cNvGrpSpPr/>
+        <p:nvPr/>
+      </p:nvGrpSpPr>
+      <p:grpSpPr>
+        <a:xfrm>
+          <a:off x="0" y="0"/>
+          <a:ext cx="0" cy="0"/>
+          <a:chOff x="0" y="0"/>
+          <a:chExt cx="0" cy="0"/>
+        </a:xfrm>
+      </p:grpSpPr>
+      <p:pic>
+        <p:nvPicPr>
+          <p:cNvPr id="4" name="图片 3"/>
+          <p:cNvPicPr>
+            <a:picLocks noChangeAspect="1"/>
+          </p:cNvPicPr>
+          <p:nvPr/>
+        </p:nvPicPr>
+        <p:blipFill>
+          <a:blip r:embed="rId2"/>
+          <a:stretch>
+            <a:fillRect/>
+          </a:stretch>
+        </p:blipFill>
+        <p:spPr>
+          <a:xfrm>
+            <a:off x="635000" y="266700"/>
+            <a:ext cx="7874000" cy="5133127"/>
+          </a:xfrm>
+          <a:prstGeom prst="rect">
+            <a:avLst/>
+          </a:prstGeom>
+        </p:spPr>
+      </p:pic>
+      <p:sp>
+        <p:nvSpPr>
+          <p:cNvPr id="5" name="文本框 4"/>
+          <p:cNvSpPr txBox="1"/>
+          <p:nvPr/>
+        </p:nvSpPr>
+        <p:spPr>
+          <a:xfrm>
+            <a:off x="901700" y="5854700"/>
+            <a:ext cx="7035475" cy="646331"/>
+          </a:xfrm>
+          <a:prstGeom prst="rect">
+            <a:avLst/>
+          </a:prstGeom>
+          <a:noFill/>
+        </p:spPr>
+        <p:txBody>
+          <a:bodyPr wrap="none" rtlCol="0">
+            <a:spAutoFit/>
+          </a:bodyPr>
+          <a:lstStyle/>
+          <a:p>
+            <a:r>
+              <a:rPr lang="zh-CN" altLang="en-US" dirty="0"/>
+              <a:t>在视图数量大于 </a:t>
+            </a:r>
+            <a:r>
+              <a:rPr lang="en-US" altLang="zh-CN" dirty="0"/>
+              <a:t>200 </a:t>
+            </a:r>
+            <a:r>
+              <a:rPr lang="zh-CN" altLang="en-US" dirty="0"/>
+              <a:t>之后，随着视图数量的增加，使用 </a:t>
+            </a:r>
+            <a:r>
+              <a:rPr lang="en-US" altLang="zh-CN" dirty="0"/>
+              <a:t>Auto Layout </a:t>
+            </a:r>
+            <a:endParaRPr lang="en-US" altLang="zh-CN" dirty="0" smtClean="0"/>
+          </a:p>
+          <a:p>
+            <a:r>
+              <a:rPr lang="zh-CN" altLang="en-US" dirty="0" smtClean="0"/>
+              <a:t>对嵌套视图进</a:t>
+            </a:r>
+            <a:r>
+              <a:rPr lang="zh-CN" altLang="en-US" dirty="0"/>
+              <a:t>行布局的时间相比非嵌套的布局成倍增长。</a:t>
+            </a:r>
+            <a:endParaRPr kumimoji="1" lang="zh-CN" altLang="en-US" dirty="0"/>
+          </a:p>
+        </p:txBody>
+      </p:sp>
+    </p:spTree>
+    <p:extLst>
+      <p:ext uri="{BB962C8B-B14F-4D97-AF65-F5344CB8AC3E}">
+        <p14:creationId xmlns:p14="http://schemas.microsoft.com/office/powerpoint/2010/main" val="3003680741"/>
+      </p:ext>
+    </p:extLst>
+  </p:cSld>
+  <p:clrMapOvr>
+    <a:masterClrMapping/>
+  </p:clrMapOvr>
+</p:sld>
+</file>
+
+<file path=ppt/slides/slide22.xml><?xml version="1.0" encoding="utf-8"?>
+<p:sld xmlns:a="http://schemas.openxmlformats.org/drawingml/2006/main" xmlns:r="http://schemas.openxmlformats.org/officeDocument/2006/relationships" xmlns:p="http://schemas.openxmlformats.org/presentationml/2006/main">
+  <p:cSld>
+    <p:spTree>
+      <p:nvGrpSpPr>
+        <p:cNvPr id="1" name=""/>
+        <p:cNvGrpSpPr/>
+        <p:nvPr/>
+      </p:nvGrpSpPr>
+      <p:grpSpPr>
+        <a:xfrm>
+          <a:off x="0" y="0"/>
+          <a:ext cx="0" cy="0"/>
+          <a:chOff x="0" y="0"/>
+          <a:chExt cx="0" cy="0"/>
+        </a:xfrm>
+      </p:grpSpPr>
+      <p:sp>
+        <p:nvSpPr>
+          <p:cNvPr id="2" name="标题 1"/>
+          <p:cNvSpPr>
+            <a:spLocks noGrp="1"/>
+          </p:cNvSpPr>
+          <p:nvPr>
+            <p:ph type="title"/>
+          </p:nvPr>
+        </p:nvSpPr>
+        <p:spPr/>
+        <p:txBody>
+          <a:bodyPr/>
+          <a:lstStyle/>
+          <a:p>
+            <a:r>
+              <a:rPr kumimoji="1" lang="en-US" altLang="zh-CN" dirty="0" err="1" smtClean="0"/>
+              <a:t>AutoLayout</a:t>
+            </a:r>
+            <a:r>
+              <a:rPr kumimoji="1" lang="zh-CN" altLang="en-US" dirty="0" smtClean="0"/>
+              <a:t>和</a:t>
+            </a:r>
+            <a:r>
+              <a:rPr kumimoji="1" lang="en-US" altLang="zh-CN" dirty="0" smtClean="0"/>
+              <a:t>Frame</a:t>
+            </a:r>
+            <a:r>
+              <a:rPr kumimoji="1" lang="zh-CN" altLang="en-US" dirty="0" smtClean="0"/>
+              <a:t>的混用</a:t>
+            </a:r>
+            <a:endParaRPr kumimoji="1" lang="zh-CN" altLang="en-US" dirty="0"/>
+          </a:p>
+        </p:txBody>
+      </p:sp>
+      <p:sp>
+        <p:nvSpPr>
+          <p:cNvPr id="3" name="内容占位符 2"/>
+          <p:cNvSpPr>
+            <a:spLocks noGrp="1"/>
+          </p:cNvSpPr>
+          <p:nvPr>
+            <p:ph idx="1"/>
+          </p:nvPr>
+        </p:nvSpPr>
+        <p:spPr/>
+        <p:txBody>
+          <a:bodyPr/>
+          <a:lstStyle/>
+          <a:p>
+            <a:r>
+              <a:rPr kumimoji="1" lang="en-US" altLang="zh-CN" dirty="0" err="1" smtClean="0"/>
+              <a:t>Superview</a:t>
+            </a:r>
+            <a:r>
+              <a:rPr kumimoji="1" lang="zh-CN" altLang="en-US" dirty="0" smtClean="0"/>
+              <a:t> </a:t>
+            </a:r>
+            <a:r>
+              <a:rPr kumimoji="1" lang="en-US" altLang="zh-CN" dirty="0" err="1" smtClean="0"/>
+              <a:t>autoLayout</a:t>
+            </a:r>
+            <a:r>
+              <a:rPr kumimoji="1" lang="zh-CN" altLang="en-US" dirty="0" smtClean="0"/>
+              <a:t> </a:t>
+            </a:r>
+            <a:r>
+              <a:rPr kumimoji="1" lang="en-US" altLang="zh-CN" dirty="0" smtClean="0"/>
+              <a:t>And</a:t>
+            </a:r>
+            <a:r>
+              <a:rPr kumimoji="1" lang="zh-CN" altLang="en-US" dirty="0" smtClean="0"/>
+              <a:t> </a:t>
+            </a:r>
+            <a:r>
+              <a:rPr kumimoji="1" lang="en-US" altLang="zh-CN" dirty="0" err="1" smtClean="0"/>
+              <a:t>subview</a:t>
+            </a:r>
+            <a:r>
+              <a:rPr kumimoji="1" lang="zh-CN" altLang="en-US" dirty="0" smtClean="0"/>
+              <a:t> </a:t>
+            </a:r>
+            <a:r>
+              <a:rPr kumimoji="1" lang="en-US" altLang="zh-CN" dirty="0" smtClean="0"/>
+              <a:t>frame</a:t>
+            </a:r>
+          </a:p>
+          <a:p>
+            <a:r>
+              <a:rPr kumimoji="1" lang="en-US" altLang="zh-CN" dirty="0" err="1" smtClean="0"/>
+              <a:t>Superview</a:t>
+            </a:r>
+            <a:r>
+              <a:rPr kumimoji="1" lang="zh-CN" altLang="en-US" dirty="0" smtClean="0"/>
+              <a:t> </a:t>
+            </a:r>
+            <a:r>
+              <a:rPr kumimoji="1" lang="en-US" altLang="zh-CN" dirty="0" smtClean="0"/>
+              <a:t>frame</a:t>
+            </a:r>
+            <a:r>
+              <a:rPr kumimoji="1" lang="zh-CN" altLang="en-US" dirty="0" smtClean="0"/>
+              <a:t> </a:t>
+            </a:r>
+            <a:r>
+              <a:rPr kumimoji="1" lang="en-US" altLang="zh-CN" dirty="0" smtClean="0"/>
+              <a:t>And</a:t>
+            </a:r>
+            <a:r>
+              <a:rPr kumimoji="1" lang="zh-CN" altLang="en-US" dirty="0" smtClean="0"/>
+              <a:t> </a:t>
+            </a:r>
+            <a:r>
+              <a:rPr kumimoji="1" lang="en-US" altLang="zh-CN" dirty="0" err="1" smtClean="0"/>
+              <a:t>subview</a:t>
+            </a:r>
+            <a:r>
+              <a:rPr kumimoji="1" lang="zh-CN" altLang="en-US" dirty="0" smtClean="0"/>
+              <a:t> </a:t>
+            </a:r>
+            <a:r>
+              <a:rPr kumimoji="1" lang="en-US" altLang="zh-CN" dirty="0" err="1" smtClean="0"/>
+              <a:t>autoLayout</a:t>
+            </a:r>
+            <a:endParaRPr kumimoji="1" lang="en-US" altLang="zh-CN" dirty="0" smtClean="0"/>
+          </a:p>
+          <a:p>
+            <a:r>
+              <a:rPr kumimoji="1" lang="en-US" altLang="zh-CN" dirty="0" err="1" smtClean="0"/>
+              <a:t>AutoLayout</a:t>
+            </a:r>
+            <a:r>
+              <a:rPr kumimoji="1" lang="zh-CN" altLang="en-US" dirty="0" smtClean="0"/>
+              <a:t> </a:t>
+            </a:r>
+            <a:r>
+              <a:rPr kumimoji="1" lang="en-US" altLang="zh-CN" dirty="0" smtClean="0"/>
+              <a:t>and</a:t>
+            </a:r>
+            <a:r>
+              <a:rPr kumimoji="1" lang="zh-CN" altLang="en-US" dirty="0" smtClean="0"/>
+              <a:t> </a:t>
+            </a:r>
+            <a:r>
+              <a:rPr kumimoji="1" lang="en-US" altLang="zh-CN" dirty="0" smtClean="0"/>
+              <a:t>frame</a:t>
+            </a:r>
+            <a:r>
+              <a:rPr kumimoji="1" lang="zh-CN" altLang="en-US" dirty="0" smtClean="0"/>
+              <a:t> </a:t>
+            </a:r>
+            <a:r>
+              <a:rPr kumimoji="1" lang="en-US" altLang="zh-CN" dirty="0" smtClean="0"/>
+              <a:t>in</a:t>
+            </a:r>
+            <a:r>
+              <a:rPr kumimoji="1" lang="zh-CN" altLang="en-US" dirty="0" smtClean="0"/>
+              <a:t> </a:t>
+            </a:r>
+            <a:r>
+              <a:rPr kumimoji="1" lang="en-US" altLang="zh-CN" dirty="0" smtClean="0"/>
+              <a:t>same</a:t>
+            </a:r>
+            <a:r>
+              <a:rPr kumimoji="1" lang="zh-CN" altLang="en-US" dirty="0" smtClean="0"/>
+              <a:t> </a:t>
+            </a:r>
+            <a:r>
+              <a:rPr kumimoji="1" lang="en-US" altLang="zh-CN" smtClean="0"/>
+              <a:t>view</a:t>
+            </a:r>
+            <a:endParaRPr kumimoji="1" lang="zh-CN" altLang="en-US" dirty="0"/>
+          </a:p>
+        </p:txBody>
+      </p:sp>
+    </p:spTree>
+    <p:extLst>
+      <p:ext uri="{BB962C8B-B14F-4D97-AF65-F5344CB8AC3E}">
+        <p14:creationId xmlns:p14="http://schemas.microsoft.com/office/powerpoint/2010/main" val="131489140"/>
       </p:ext>
     </p:extLst>
   </p:cSld>
@@ -4279,7 +5672,6 @@
               <a:rPr lang="en-US" altLang="zh-CN" sz="1600" dirty="0" smtClean="0"/>
               <a:t>frame</a:t>
             </a:r>
-            <a:endParaRPr lang="en-US" altLang="zh-CN" sz="1600" dirty="0" smtClean="0"/>
           </a:p>
           <a:p>
             <a:endParaRPr kumimoji="1" lang="zh-CN" altLang="en-US" sz="1600" dirty="0"/>
@@ -4523,15 +5915,7 @@
             </a:r>
             <a:r>
               <a:rPr lang="en-US" altLang="zh-CN" sz="4300" dirty="0" smtClean="0"/>
-              <a:t> </a:t>
-            </a:r>
-            <a:r>
-              <a:rPr lang="en-US" altLang="zh-CN" sz="4300" dirty="0" smtClean="0"/>
-              <a:t>l</a:t>
-            </a:r>
-            <a:r>
-              <a:rPr lang="en-US" altLang="zh-CN" sz="4300" dirty="0" smtClean="0"/>
-              <a:t>ayout guide</a:t>
+              <a:t> layout guide</a:t>
             </a:r>
             <a:r>
               <a:rPr lang="zh-CN" altLang="en-US" sz="4300" dirty="0" smtClean="0"/>

--- a/AutoLayout.pptx
+++ b/AutoLayout.pptx
@@ -7,7 +7,7 @@
   <p:sldIdLst>
     <p:sldId id="256" r:id="rId2"/>
     <p:sldId id="257" r:id="rId3"/>
-    <p:sldId id="258" r:id="rId4"/>
+    <p:sldId id="269" r:id="rId4"/>
     <p:sldId id="259" r:id="rId5"/>
     <p:sldId id="260" r:id="rId6"/>
     <p:sldId id="261" r:id="rId7"/>
@@ -18,15 +18,17 @@
     <p:sldId id="266" r:id="rId12"/>
     <p:sldId id="267" r:id="rId13"/>
     <p:sldId id="268" r:id="rId14"/>
-    <p:sldId id="270" r:id="rId15"/>
+    <p:sldId id="279" r:id="rId15"/>
     <p:sldId id="271" r:id="rId16"/>
     <p:sldId id="272" r:id="rId17"/>
-    <p:sldId id="269" r:id="rId18"/>
-    <p:sldId id="273" r:id="rId19"/>
-    <p:sldId id="274" r:id="rId20"/>
-    <p:sldId id="275" r:id="rId21"/>
-    <p:sldId id="276" r:id="rId22"/>
-    <p:sldId id="277" r:id="rId23"/>
+    <p:sldId id="273" r:id="rId18"/>
+    <p:sldId id="274" r:id="rId19"/>
+    <p:sldId id="275" r:id="rId20"/>
+    <p:sldId id="276" r:id="rId21"/>
+    <p:sldId id="277" r:id="rId22"/>
+    <p:sldId id="270" r:id="rId23"/>
+    <p:sldId id="258" r:id="rId24"/>
+    <p:sldId id="278" r:id="rId25"/>
   </p:sldIdLst>
   <p:sldSz cx="9144000" cy="6858000" type="screen4x3"/>
   <p:notesSz cx="6858000" cy="9144000"/>
@@ -309,7 +311,7 @@
           <a:p>
             <a:fld id="{3D89B229-22D9-4E41-AAEE-F3F823EF8786}" type="datetimeFigureOut">
               <a:rPr kumimoji="1" lang="zh-CN" altLang="en-US" smtClean="0"/>
-              <a:t>17/9/26</a:t>
+              <a:t>17/9/27</a:t>
             </a:fld>
             <a:endParaRPr kumimoji="1" lang="zh-CN" altLang="en-US"/>
           </a:p>
@@ -480,7 +482,7 @@
           <a:p>
             <a:fld id="{3D89B229-22D9-4E41-AAEE-F3F823EF8786}" type="datetimeFigureOut">
               <a:rPr kumimoji="1" lang="zh-CN" altLang="en-US" smtClean="0"/>
-              <a:t>17/9/26</a:t>
+              <a:t>17/9/27</a:t>
             </a:fld>
             <a:endParaRPr kumimoji="1" lang="zh-CN" altLang="en-US"/>
           </a:p>
@@ -660,7 +662,7 @@
           <a:p>
             <a:fld id="{3D89B229-22D9-4E41-AAEE-F3F823EF8786}" type="datetimeFigureOut">
               <a:rPr kumimoji="1" lang="zh-CN" altLang="en-US" smtClean="0"/>
-              <a:t>17/9/26</a:t>
+              <a:t>17/9/27</a:t>
             </a:fld>
             <a:endParaRPr kumimoji="1" lang="zh-CN" altLang="en-US"/>
           </a:p>
@@ -830,7 +832,7 @@
           <a:p>
             <a:fld id="{3D89B229-22D9-4E41-AAEE-F3F823EF8786}" type="datetimeFigureOut">
               <a:rPr kumimoji="1" lang="zh-CN" altLang="en-US" smtClean="0"/>
-              <a:t>17/9/26</a:t>
+              <a:t>17/9/27</a:t>
             </a:fld>
             <a:endParaRPr kumimoji="1" lang="zh-CN" altLang="en-US"/>
           </a:p>
@@ -1076,7 +1078,7 @@
           <a:p>
             <a:fld id="{3D89B229-22D9-4E41-AAEE-F3F823EF8786}" type="datetimeFigureOut">
               <a:rPr kumimoji="1" lang="zh-CN" altLang="en-US" smtClean="0"/>
-              <a:t>17/9/26</a:t>
+              <a:t>17/9/27</a:t>
             </a:fld>
             <a:endParaRPr kumimoji="1" lang="zh-CN" altLang="en-US"/>
           </a:p>
@@ -1364,7 +1366,7 @@
           <a:p>
             <a:fld id="{3D89B229-22D9-4E41-AAEE-F3F823EF8786}" type="datetimeFigureOut">
               <a:rPr kumimoji="1" lang="zh-CN" altLang="en-US" smtClean="0"/>
-              <a:t>17/9/26</a:t>
+              <a:t>17/9/27</a:t>
             </a:fld>
             <a:endParaRPr kumimoji="1" lang="zh-CN" altLang="en-US"/>
           </a:p>
@@ -1786,7 +1788,7 @@
           <a:p>
             <a:fld id="{3D89B229-22D9-4E41-AAEE-F3F823EF8786}" type="datetimeFigureOut">
               <a:rPr kumimoji="1" lang="zh-CN" altLang="en-US" smtClean="0"/>
-              <a:t>17/9/26</a:t>
+              <a:t>17/9/27</a:t>
             </a:fld>
             <a:endParaRPr kumimoji="1" lang="zh-CN" altLang="en-US"/>
           </a:p>
@@ -1904,7 +1906,7 @@
           <a:p>
             <a:fld id="{3D89B229-22D9-4E41-AAEE-F3F823EF8786}" type="datetimeFigureOut">
               <a:rPr kumimoji="1" lang="zh-CN" altLang="en-US" smtClean="0"/>
-              <a:t>17/9/26</a:t>
+              <a:t>17/9/27</a:t>
             </a:fld>
             <a:endParaRPr kumimoji="1" lang="zh-CN" altLang="en-US"/>
           </a:p>
@@ -1999,7 +2001,7 @@
           <a:p>
             <a:fld id="{3D89B229-22D9-4E41-AAEE-F3F823EF8786}" type="datetimeFigureOut">
               <a:rPr kumimoji="1" lang="zh-CN" altLang="en-US" smtClean="0"/>
-              <a:t>17/9/26</a:t>
+              <a:t>17/9/27</a:t>
             </a:fld>
             <a:endParaRPr kumimoji="1" lang="zh-CN" altLang="en-US"/>
           </a:p>
@@ -2276,7 +2278,7 @@
           <a:p>
             <a:fld id="{3D89B229-22D9-4E41-AAEE-F3F823EF8786}" type="datetimeFigureOut">
               <a:rPr kumimoji="1" lang="zh-CN" altLang="en-US" smtClean="0"/>
-              <a:t>17/9/26</a:t>
+              <a:t>17/9/27</a:t>
             </a:fld>
             <a:endParaRPr kumimoji="1" lang="zh-CN" altLang="en-US"/>
           </a:p>
@@ -2529,7 +2531,7 @@
           <a:p>
             <a:fld id="{3D89B229-22D9-4E41-AAEE-F3F823EF8786}" type="datetimeFigureOut">
               <a:rPr kumimoji="1" lang="zh-CN" altLang="en-US" smtClean="0"/>
-              <a:t>17/9/26</a:t>
+              <a:t>17/9/27</a:t>
             </a:fld>
             <a:endParaRPr kumimoji="1" lang="zh-CN" altLang="en-US"/>
           </a:p>
@@ -2742,7 +2744,7 @@
           <a:p>
             <a:fld id="{3D89B229-22D9-4E41-AAEE-F3F823EF8786}" type="datetimeFigureOut">
               <a:rPr kumimoji="1" lang="zh-CN" altLang="en-US" smtClean="0"/>
-              <a:t>17/9/26</a:t>
+              <a:t>17/9/27</a:t>
             </a:fld>
             <a:endParaRPr kumimoji="1" lang="zh-CN" altLang="en-US"/>
           </a:p>
@@ -3760,12 +3762,8 @@
           <a:lstStyle/>
           <a:p>
             <a:r>
-              <a:rPr kumimoji="1" lang="en-US" altLang="zh-CN" dirty="0" err="1" smtClean="0"/>
-              <a:t>AutoLayout</a:t>
-            </a:r>
-            <a:r>
               <a:rPr kumimoji="1" lang="zh-CN" altLang="en-US" dirty="0" smtClean="0"/>
-              <a:t>生命周期</a:t>
+              <a:t>布局更新</a:t>
             </a:r>
             <a:endParaRPr kumimoji="1" lang="zh-CN" altLang="en-US" dirty="0"/>
           </a:p>
@@ -3784,176 +3782,203 @@
         <p:spPr/>
         <p:txBody>
           <a:bodyPr>
-            <a:normAutofit fontScale="92500" lnSpcReduction="20000"/>
+            <a:normAutofit fontScale="70000" lnSpcReduction="20000"/>
           </a:bodyPr>
           <a:lstStyle/>
           <a:p>
-            <a:r>
-              <a:rPr kumimoji="1" lang="zh-CN" altLang="en-US" dirty="0" smtClean="0"/>
-              <a:t>布局过程</a:t>
-            </a:r>
-            <a:endParaRPr kumimoji="1" lang="en-US" altLang="zh-CN" dirty="0" smtClean="0"/>
-          </a:p>
-          <a:p>
             <a:pPr marL="0" indent="0">
               <a:buNone/>
             </a:pPr>
+            <a:r>
+              <a:rPr lang="en-US" altLang="zh-CN" dirty="0" smtClean="0"/>
+              <a:t>Laying out </a:t>
+            </a:r>
+            <a:r>
+              <a:rPr lang="en-US" altLang="zh-CN" dirty="0" err="1" smtClean="0"/>
+              <a:t>SubViews</a:t>
+            </a:r>
+            <a:endParaRPr lang="en-US" altLang="zh-CN" dirty="0"/>
+          </a:p>
+          <a:p>
+            <a:pPr marL="0" indent="0">
+              <a:buNone/>
+            </a:pPr>
+            <a:r>
+              <a:rPr lang="en-US" altLang="zh-TW" dirty="0" smtClean="0"/>
+              <a:t>- </a:t>
+            </a:r>
+            <a:r>
+              <a:rPr lang="en-US" altLang="zh-TW" dirty="0" err="1"/>
+              <a:t>setNeedsLayout</a:t>
+            </a:r>
+            <a:r>
+              <a:rPr lang="en-US" altLang="zh-TW" dirty="0"/>
+              <a:t>() //</a:t>
+            </a:r>
+            <a:r>
+              <a:rPr lang="zh-TW" altLang="en-US" dirty="0"/>
+              <a:t>标记布局需要在下一个周期更新</a:t>
+            </a:r>
+          </a:p>
+          <a:p>
+            <a:pPr marL="0" indent="0">
+              <a:buNone/>
+            </a:pPr>
+            <a:r>
+              <a:rPr lang="en-US" altLang="zh-CN" dirty="0" smtClean="0"/>
+              <a:t>-</a:t>
+            </a:r>
+            <a:r>
+              <a:rPr lang="zh-CN" altLang="en-US" dirty="0" smtClean="0"/>
+              <a:t> </a:t>
+            </a:r>
+            <a:r>
+              <a:rPr lang="en-US" altLang="zh-CN" dirty="0" err="1" smtClean="0"/>
+              <a:t>layoutIfNeeded</a:t>
+            </a:r>
+            <a:r>
+              <a:rPr lang="en-US" altLang="zh-CN" dirty="0"/>
+              <a:t>()  //</a:t>
+            </a:r>
+            <a:r>
+              <a:rPr lang="zh-CN" altLang="en-US" dirty="0"/>
+              <a:t>立刻更新</a:t>
+            </a:r>
+            <a:r>
+              <a:rPr lang="zh-CN" altLang="en-US" dirty="0" smtClean="0"/>
+              <a:t>布局</a:t>
+            </a:r>
+            <a:endParaRPr lang="en-US" altLang="zh-CN" dirty="0" smtClean="0"/>
+          </a:p>
+          <a:p>
+            <a:pPr marL="0" indent="0">
+              <a:buNone/>
+            </a:pPr>
+            <a:r>
+              <a:rPr lang="en-US" altLang="zh-CN" dirty="0"/>
+              <a:t>- </a:t>
+            </a:r>
+            <a:r>
+              <a:rPr lang="en-US" altLang="zh-CN" dirty="0" err="1"/>
+              <a:t>layoutSubviews</a:t>
+            </a:r>
+            <a:r>
+              <a:rPr lang="en-US" altLang="zh-CN" dirty="0"/>
+              <a:t>() //</a:t>
+            </a:r>
+            <a:r>
+              <a:rPr lang="zh-CN" altLang="en-US" dirty="0"/>
+              <a:t>不要直接调用，如果需要强制更新布局，调用下面的</a:t>
+            </a:r>
+            <a:r>
+              <a:rPr lang="en-US" altLang="zh-CN" dirty="0"/>
+              <a:t> </a:t>
+            </a:r>
+            <a:r>
+              <a:rPr lang="en-US" altLang="zh-CN" dirty="0" err="1"/>
+              <a:t>setNeedsLayout</a:t>
+            </a:r>
+            <a:r>
+              <a:rPr lang="en-US" altLang="zh-CN" dirty="0"/>
+              <a:t>()</a:t>
+            </a:r>
+          </a:p>
+          <a:p>
+            <a:pPr marL="0" indent="0">
+              <a:buNone/>
+            </a:pPr>
+            <a:endParaRPr lang="en-US" altLang="zh-CN" dirty="0" smtClean="0"/>
+          </a:p>
+          <a:p>
+            <a:pPr>
+              <a:buFontTx/>
+              <a:buChar char="-"/>
+            </a:pPr>
+            <a:endParaRPr lang="en-US" altLang="zh-CN" dirty="0"/>
+          </a:p>
+          <a:p>
+            <a:pPr marL="0" indent="0">
+              <a:buNone/>
+            </a:pPr>
+            <a:r>
+              <a:rPr lang="en-US" altLang="zh-CN" dirty="0"/>
+              <a:t>Triggering Auto Layout</a:t>
+            </a:r>
+          </a:p>
+          <a:p>
+            <a:pPr marL="0" indent="0">
+              <a:buNone/>
+            </a:pPr>
+            <a:r>
+              <a:rPr lang="en-US" altLang="zh-CN" dirty="0"/>
+              <a:t>- </a:t>
+            </a:r>
+            <a:r>
+              <a:rPr lang="en-US" altLang="zh-CN" dirty="0" err="1"/>
+              <a:t>setNeedsUpdateConstraints</a:t>
+            </a:r>
+            <a:r>
+              <a:rPr lang="en-US" altLang="zh-CN" dirty="0"/>
+              <a:t>() //</a:t>
+            </a:r>
+            <a:r>
+              <a:rPr lang="zh-CN" altLang="en-US" dirty="0"/>
+              <a:t>标记约束需要在稍后更新，系统会调用下面的 </a:t>
+            </a:r>
             <a:r>
               <a:rPr lang="en-US" altLang="zh-CN" dirty="0" err="1"/>
               <a:t>updateConstraints</a:t>
             </a:r>
             <a:r>
               <a:rPr lang="en-US" altLang="zh-CN" dirty="0"/>
-              <a:t> -&gt; </a:t>
-            </a:r>
-            <a:r>
-              <a:rPr lang="en-US" altLang="zh-CN" dirty="0" err="1"/>
-              <a:t>layoutSubViews</a:t>
-            </a:r>
-            <a:r>
-              <a:rPr lang="en-US" altLang="zh-CN" dirty="0"/>
-              <a:t> -&gt; </a:t>
-            </a:r>
-            <a:r>
-              <a:rPr lang="en-US" altLang="zh-CN" dirty="0" err="1" smtClean="0"/>
-              <a:t>drawRect</a:t>
-            </a:r>
-            <a:endParaRPr lang="en-US" altLang="zh-CN" dirty="0" smtClean="0"/>
+              <a:t>()</a:t>
+            </a:r>
+            <a:r>
+              <a:rPr lang="zh-CN" altLang="en-US" dirty="0"/>
+              <a:t>方法，修改多个约束后调用该方法批量更新有助于提升性能</a:t>
+            </a:r>
           </a:p>
           <a:p>
             <a:pPr marL="0" indent="0">
               <a:buNone/>
             </a:pPr>
-            <a:endParaRPr lang="en-US" altLang="zh-CN" dirty="0" smtClean="0"/>
-          </a:p>
-          <a:p>
-            <a:r>
-              <a:rPr lang="en-US" altLang="zh-CN" b="1" dirty="0" err="1"/>
-              <a:t>viewDidLayoutSubviews</a:t>
-            </a:r>
-            <a:r>
-              <a:rPr lang="zh-CN" altLang="en-US" dirty="0"/>
-              <a:t>，</a:t>
-            </a:r>
-            <a:r>
-              <a:rPr lang="en-US" altLang="zh-CN" b="1" dirty="0"/>
-              <a:t>-</a:t>
-            </a:r>
-            <a:r>
-              <a:rPr lang="en-US" altLang="zh-CN" b="1" dirty="0" err="1"/>
-              <a:t>layoutSubviews</a:t>
-            </a:r>
-            <a:endParaRPr lang="en-US" altLang="zh-CN" b="1" dirty="0"/>
+            <a:r>
+              <a:rPr lang="en-US" altLang="zh-TW" dirty="0"/>
+              <a:t>- </a:t>
+            </a:r>
+            <a:r>
+              <a:rPr lang="en-US" altLang="zh-TW" dirty="0" err="1"/>
+              <a:t>updateConstraints</a:t>
+            </a:r>
+            <a:r>
+              <a:rPr lang="en-US" altLang="zh-TW" dirty="0"/>
+              <a:t>() //</a:t>
+            </a:r>
+            <a:r>
+              <a:rPr lang="zh-TW" altLang="en-US" dirty="0"/>
+              <a:t>更新调用该方法的视图的约束</a:t>
+            </a:r>
           </a:p>
           <a:p>
             <a:pPr marL="0" indent="0">
               <a:buNone/>
             </a:pPr>
             <a:r>
-              <a:rPr lang="zh-CN" altLang="en-US" dirty="0"/>
-              <a:t>使用</a:t>
-            </a:r>
-            <a:r>
-              <a:rPr lang="en-US" altLang="zh-CN" dirty="0"/>
-              <a:t>Auto Layout</a:t>
-            </a:r>
-            <a:r>
-              <a:rPr lang="zh-CN" altLang="en-US" dirty="0"/>
-              <a:t>的</a:t>
-            </a:r>
-            <a:r>
-              <a:rPr lang="en-US" altLang="zh-CN" dirty="0"/>
-              <a:t>view</a:t>
-            </a:r>
-            <a:r>
-              <a:rPr lang="zh-CN" altLang="en-US" dirty="0"/>
-              <a:t>会在</a:t>
-            </a:r>
-            <a:r>
-              <a:rPr lang="en-US" altLang="zh-CN" dirty="0" err="1"/>
-              <a:t>viewDidLayoutSubviews</a:t>
-            </a:r>
-            <a:r>
-              <a:rPr lang="zh-CN" altLang="en-US" dirty="0" smtClean="0"/>
-              <a:t>或</a:t>
-            </a:r>
-            <a:r>
-              <a:rPr lang="en-US" altLang="zh-CN" dirty="0" err="1" smtClean="0"/>
-              <a:t>layoutSubview</a:t>
-            </a:r>
-            <a:r>
-              <a:rPr lang="zh-CN" altLang="en-US" dirty="0"/>
-              <a:t>调用</a:t>
-            </a:r>
-            <a:r>
-              <a:rPr lang="en-US" altLang="zh-CN" dirty="0"/>
-              <a:t>super</a:t>
-            </a:r>
-            <a:r>
-              <a:rPr lang="zh-CN" altLang="en-US" dirty="0"/>
-              <a:t>转换成具有正确显示的</a:t>
-            </a:r>
-            <a:r>
-              <a:rPr lang="en-US" altLang="zh-CN" dirty="0"/>
-              <a:t>frame</a:t>
-            </a:r>
-            <a:r>
-              <a:rPr lang="zh-CN" altLang="en-US" dirty="0"/>
-              <a:t>值</a:t>
-            </a:r>
-            <a:r>
-              <a:rPr lang="zh-CN" altLang="en-US" dirty="0" smtClean="0"/>
-              <a:t>。</a:t>
-            </a:r>
-            <a:endParaRPr lang="en-US" altLang="zh-CN" dirty="0" smtClean="0"/>
-          </a:p>
-          <a:p>
-            <a:pPr marL="0" indent="0">
-              <a:buNone/>
-            </a:pPr>
-            <a:endParaRPr lang="en-US" altLang="zh-CN" dirty="0" smtClean="0"/>
-          </a:p>
-          <a:p>
-            <a:r>
-              <a:rPr lang="en-US" altLang="zh-CN" dirty="0"/>
-              <a:t>- (void)</a:t>
-            </a:r>
-            <a:r>
-              <a:rPr lang="en-US" altLang="zh-CN" dirty="0" err="1"/>
-              <a:t>setNeedsLayout</a:t>
-            </a:r>
-            <a:r>
-              <a:rPr lang="en-US" altLang="zh-CN" dirty="0"/>
-              <a:t>;</a:t>
-            </a:r>
-          </a:p>
-          <a:p>
-            <a:r>
-              <a:rPr lang="en-US" altLang="zh-CN" dirty="0"/>
-              <a:t>- (void)</a:t>
-            </a:r>
-            <a:r>
-              <a:rPr lang="en-US" altLang="zh-CN" dirty="0" err="1"/>
-              <a:t>layoutIfNeeded</a:t>
-            </a:r>
-            <a:r>
-              <a:rPr lang="en-US" altLang="zh-CN" dirty="0"/>
-              <a:t>;</a:t>
-            </a:r>
-          </a:p>
-          <a:p>
-            <a:pPr marL="0" indent="0">
-              <a:buNone/>
-            </a:pPr>
-            <a:endParaRPr lang="en-US" altLang="zh-CN" dirty="0"/>
-          </a:p>
-          <a:p>
-            <a:pPr marL="0" indent="0">
-              <a:buNone/>
-            </a:pPr>
-            <a:endParaRPr lang="en-US" altLang="zh-CN" dirty="0"/>
-          </a:p>
-          <a:p>
+              <a:rPr lang="en-US" altLang="zh-TW" dirty="0"/>
+              <a:t>- </a:t>
+            </a:r>
+            <a:r>
+              <a:rPr lang="en-US" altLang="zh-TW" dirty="0" err="1"/>
+              <a:t>updateConstraintsIfNeeded</a:t>
+            </a:r>
+            <a:r>
+              <a:rPr lang="en-US" altLang="zh-TW" dirty="0"/>
+              <a:t>() //</a:t>
+            </a:r>
+            <a:r>
+              <a:rPr lang="zh-TW" altLang="en-US" dirty="0"/>
+              <a:t>更新调用该方法的视图以及其子视图的约束</a:t>
+            </a:r>
             <a:endParaRPr kumimoji="1" lang="zh-CN" altLang="en-US" dirty="0"/>
           </a:p>
         </p:txBody>
@@ -3961,7 +3986,7 @@
     </p:spTree>
     <p:extLst>
       <p:ext uri="{BB962C8B-B14F-4D97-AF65-F5344CB8AC3E}">
-        <p14:creationId xmlns:p14="http://schemas.microsoft.com/office/powerpoint/2010/main" val="32001910"/>
+        <p14:creationId xmlns:p14="http://schemas.microsoft.com/office/powerpoint/2010/main" val="3536750000"/>
       </p:ext>
     </p:extLst>
   </p:cSld>
@@ -4105,56 +4130,120 @@
           <a:lstStyle/>
           <a:p>
             <a:r>
-              <a:rPr lang="en-US" altLang="zh-CN" dirty="0" err="1"/>
+              <a:rPr lang="en-US" altLang="zh-CN" dirty="0" err="1">
+                <a:latin typeface="+mj-ea"/>
+                <a:ea typeface="+mj-ea"/>
+              </a:rPr>
               <a:t>Unsatisfiable</a:t>
             </a:r>
             <a:r>
-              <a:rPr lang="en-US" altLang="zh-CN" dirty="0"/>
+              <a:rPr lang="en-US" altLang="zh-CN" dirty="0">
+                <a:latin typeface="+mj-ea"/>
+                <a:ea typeface="+mj-ea"/>
+              </a:rPr>
               <a:t> Layouts</a:t>
             </a:r>
             <a:r>
-              <a:rPr lang="zh-CN" altLang="en-US" dirty="0"/>
+              <a:rPr lang="zh-CN" altLang="en-US" dirty="0">
+                <a:latin typeface="+mj-ea"/>
+                <a:ea typeface="+mj-ea"/>
+              </a:rPr>
               <a:t>：约束冲突，同一时刻约束没法同时满足。系统发现时会先检测那些冲突的约束，然后会一直拆掉冲突的约束再检查布局直到找到合适的布局，最后日志会将冲突的约束和拆掉的约束打印在控制台上。</a:t>
             </a:r>
           </a:p>
           <a:p>
             <a:r>
-              <a:rPr lang="en-US" altLang="zh-CN" dirty="0"/>
+              <a:rPr lang="en-US" altLang="zh-CN" dirty="0">
+                <a:latin typeface="+mj-ea"/>
+                <a:ea typeface="+mj-ea"/>
+              </a:rPr>
               <a:t>Ambiguous Layouts</a:t>
             </a:r>
             <a:r>
-              <a:rPr lang="zh-CN" altLang="en-US" dirty="0"/>
+              <a:rPr lang="zh-CN" altLang="en-US" dirty="0">
+                <a:latin typeface="+mj-ea"/>
+                <a:ea typeface="+mj-ea"/>
+              </a:rPr>
               <a:t>：约束有缺失，比如说位置或者大小没有全指定到。还有种情况就是两个冲突的约束的权重是一样的就会崩。</a:t>
             </a:r>
           </a:p>
           <a:p>
             <a:r>
-              <a:rPr lang="en-US" altLang="zh-TW" dirty="0"/>
+              <a:rPr lang="en-US" altLang="zh-TW" dirty="0">
+                <a:latin typeface="+mj-ea"/>
+                <a:ea typeface="+mj-ea"/>
+              </a:rPr>
               <a:t>Logical Errors</a:t>
             </a:r>
             <a:r>
-              <a:rPr lang="zh-TW" altLang="en-US" dirty="0"/>
+              <a:rPr lang="zh-TW" altLang="en-US" dirty="0">
+                <a:latin typeface="+mj-ea"/>
+                <a:ea typeface="+mj-ea"/>
+              </a:rPr>
               <a:t>：布局中的逻辑错误。</a:t>
             </a:r>
           </a:p>
           <a:p>
             <a:r>
-              <a:rPr lang="zh-TW" altLang="en-US" dirty="0"/>
-              <a:t>不含视图项的约束不合法，每个约束至少需要引用一个视图，不</a:t>
-            </a:r>
-            <a:r>
-              <a:rPr lang="zh-TW" altLang="en-US" dirty="0" smtClean="0"/>
-              <a:t>然会</a:t>
-            </a:r>
-            <a:r>
-              <a:rPr lang="en-US" altLang="zh-CN" dirty="0" smtClean="0"/>
+              <a:rPr lang="zh-TW" altLang="en-US" dirty="0" smtClean="0">
+                <a:latin typeface="+mj-ea"/>
+                <a:ea typeface="+mj-ea"/>
+              </a:rPr>
+              <a:t>不含视图的约束不合法</a:t>
+            </a:r>
+            <a:r>
+              <a:rPr lang="zh-TW" altLang="en-US" dirty="0" smtClean="0">
+                <a:latin typeface="+mj-ea"/>
+                <a:ea typeface="+mj-ea"/>
+              </a:rPr>
+              <a:t>，每个约束至少</a:t>
+            </a:r>
+            <a:r>
+              <a:rPr lang="zh-CN" altLang="en-US" dirty="0" smtClean="0">
+                <a:latin typeface="+mj-ea"/>
+                <a:ea typeface="+mj-ea"/>
+              </a:rPr>
+              <a:t>需要</a:t>
+            </a:r>
+            <a:r>
+              <a:rPr lang="zh-TW" altLang="en-US" dirty="0" smtClean="0">
+                <a:latin typeface="+mj-ea"/>
+                <a:ea typeface="+mj-ea"/>
+              </a:rPr>
+              <a:t>引用一个视图，</a:t>
+            </a:r>
+            <a:r>
+              <a:rPr lang="zh-CN" altLang="en-US" dirty="0" smtClean="0">
+                <a:latin typeface="+mj-ea"/>
+                <a:ea typeface="+mj-ea"/>
+              </a:rPr>
+              <a:t>不然</a:t>
+            </a:r>
+            <a:r>
+              <a:rPr lang="zh-TW" altLang="en-US" dirty="0" smtClean="0">
+                <a:latin typeface="+mj-ea"/>
+                <a:ea typeface="+mj-ea"/>
+              </a:rPr>
+              <a:t>会</a:t>
+            </a:r>
+            <a:r>
+              <a:rPr lang="en-US" altLang="zh-CN" dirty="0" smtClean="0">
+                <a:latin typeface="+mj-ea"/>
+                <a:ea typeface="+mj-ea"/>
+              </a:rPr>
               <a:t>Crash</a:t>
             </a:r>
             <a:r>
-              <a:rPr lang="zh-TW" altLang="en-US" dirty="0" smtClean="0"/>
+              <a:rPr lang="zh-TW" altLang="en-US" dirty="0" smtClean="0">
+                <a:latin typeface="+mj-ea"/>
+                <a:ea typeface="+mj-ea"/>
+              </a:rPr>
               <a:t>。</a:t>
             </a:r>
-            <a:endParaRPr kumimoji="1" lang="zh-CN" altLang="en-US" dirty="0"/>
+            <a:endParaRPr kumimoji="1" lang="zh-CN" altLang="en-US" dirty="0">
+              <a:latin typeface="+mj-ea"/>
+              <a:ea typeface="+mj-ea"/>
+            </a:endParaRPr>
           </a:p>
         </p:txBody>
       </p:sp>
@@ -4209,7 +4298,7 @@
             </a:r>
             <a:r>
               <a:rPr kumimoji="1" lang="zh-CN" altLang="en-US" dirty="0" smtClean="0"/>
-              <a:t>原理</a:t>
+              <a:t>的性能</a:t>
             </a:r>
             <a:endParaRPr kumimoji="1" lang="zh-CN" altLang="en-US" dirty="0"/>
           </a:p>
@@ -4227,89 +4316,125 @@
         </p:nvSpPr>
         <p:spPr/>
         <p:txBody>
-          <a:bodyPr/>
-          <a:lstStyle/>
-          <a:p>
-            <a:r>
-              <a:rPr lang="en-US" altLang="zh-CN" dirty="0" err="1" smtClean="0"/>
-              <a:t>AutoLayout</a:t>
-            </a:r>
-            <a:r>
-              <a:rPr lang="zh-CN" altLang="en-US" dirty="0" smtClean="0"/>
-              <a:t>基于</a:t>
-            </a:r>
-            <a:r>
-              <a:rPr lang="en-US" altLang="zh-CN" dirty="0" smtClean="0"/>
-              <a:t>Cassowary</a:t>
-            </a:r>
-            <a:r>
-              <a:rPr lang="zh-CN" altLang="en-US" dirty="0" smtClean="0"/>
-              <a:t>算法</a:t>
-            </a:r>
-            <a:r>
-              <a:rPr lang="zh-CN" altLang="en-US" dirty="0" smtClean="0"/>
-              <a:t>。</a:t>
-            </a:r>
-            <a:r>
-              <a:rPr lang="zh-CN" altLang="en-US" dirty="0" smtClean="0"/>
-              <a:t>它通过将布局问题抽象成线</a:t>
-            </a:r>
-            <a:r>
-              <a:rPr lang="zh-CN" altLang="en-US" dirty="0"/>
-              <a:t>性等式和不等式约束来进行求解</a:t>
-            </a:r>
-            <a:r>
-              <a:rPr lang="zh-CN" altLang="en-US" dirty="0" smtClean="0"/>
-              <a:t>。</a:t>
-            </a:r>
-            <a:endParaRPr lang="en-US" altLang="zh-CN" dirty="0" smtClean="0"/>
-          </a:p>
-          <a:p>
-            <a:endParaRPr lang="en-US" altLang="zh-CN" dirty="0" smtClean="0"/>
-          </a:p>
-          <a:p>
-            <a:r>
-              <a:rPr lang="en-US" altLang="zh-CN" dirty="0" err="1" smtClean="0"/>
-              <a:t>AutoLayout</a:t>
-            </a:r>
-            <a:r>
-              <a:rPr lang="zh-CN" altLang="en-US" dirty="0" smtClean="0"/>
-              <a:t>其实做了两件事情</a:t>
-            </a:r>
-            <a:endParaRPr lang="en-US" altLang="zh-CN" dirty="0" smtClean="0"/>
-          </a:p>
-          <a:p>
-            <a:pPr>
-              <a:buFontTx/>
-              <a:buChar char="-"/>
-            </a:pPr>
-            <a:r>
-              <a:rPr lang="zh-CN" altLang="en-US" dirty="0" smtClean="0"/>
-              <a:t>求解线性方程组</a:t>
-            </a:r>
-            <a:endParaRPr lang="en-US" altLang="zh-CN" dirty="0" smtClean="0"/>
-          </a:p>
-          <a:p>
-            <a:pPr>
-              <a:buFontTx/>
-              <a:buChar char="-"/>
-            </a:pPr>
-            <a:r>
-              <a:rPr lang="zh-CN" altLang="en-US" dirty="0" smtClean="0"/>
-              <a:t>设置</a:t>
-            </a:r>
-            <a:r>
-              <a:rPr lang="en-US" altLang="zh-CN" dirty="0" smtClean="0"/>
-              <a:t>frame</a:t>
-            </a:r>
-            <a:endParaRPr lang="zh-CN" altLang="en-US" dirty="0"/>
+          <a:bodyPr>
+            <a:normAutofit/>
+          </a:bodyPr>
+          <a:lstStyle/>
+          <a:p>
+            <a:r>
+              <a:rPr kumimoji="1" lang="zh-CN" altLang="en-US" sz="1200" dirty="0" smtClean="0"/>
+              <a:t>（数据基于</a:t>
+            </a:r>
+            <a:r>
+              <a:rPr lang="en-US" altLang="zh-CN" sz="1200" dirty="0"/>
+              <a:t>OS X EL Captain</a:t>
+            </a:r>
+            <a:r>
+              <a:rPr lang="zh-CN" altLang="en-US" sz="1200" dirty="0"/>
+              <a:t>，</a:t>
+            </a:r>
+            <a:r>
+              <a:rPr lang="en-US" altLang="zh-CN" sz="1200" dirty="0" err="1"/>
+              <a:t>Macbook</a:t>
+            </a:r>
+            <a:r>
+              <a:rPr lang="en-US" altLang="zh-CN" sz="1200" dirty="0"/>
+              <a:t> Air (13-inch Mid 2013</a:t>
+            </a:r>
+            <a:r>
+              <a:rPr lang="zh-CN" altLang="en-US" sz="1200" dirty="0"/>
+              <a:t>）上的 </a:t>
+            </a:r>
+            <a:r>
+              <a:rPr lang="en-US" altLang="zh-CN" sz="1200" dirty="0"/>
+              <a:t>iPhone 6s Plus </a:t>
+            </a:r>
+            <a:r>
+              <a:rPr lang="zh-CN" altLang="en-US" sz="1200" dirty="0"/>
+              <a:t>模拟器上</a:t>
+            </a:r>
+            <a:r>
+              <a:rPr lang="zh-CN" altLang="en-US" sz="1200" dirty="0" smtClean="0"/>
+              <a:t>采集的</a:t>
+            </a:r>
+            <a:r>
+              <a:rPr kumimoji="1" lang="zh-CN" altLang="en-US" sz="1200" dirty="0" smtClean="0"/>
+              <a:t>）</a:t>
+            </a:r>
+            <a:endParaRPr kumimoji="1" lang="zh-CN" altLang="en-US" sz="1200" dirty="0"/>
+          </a:p>
+        </p:txBody>
+      </p:sp>
+      <p:pic>
+        <p:nvPicPr>
+          <p:cNvPr id="4" name="图片 3"/>
+          <p:cNvPicPr>
+            <a:picLocks noChangeAspect="1"/>
+          </p:cNvPicPr>
+          <p:nvPr/>
+        </p:nvPicPr>
+        <p:blipFill>
+          <a:blip r:embed="rId2"/>
+          <a:stretch>
+            <a:fillRect/>
+          </a:stretch>
+        </p:blipFill>
+        <p:spPr>
+          <a:xfrm>
+            <a:off x="1371600" y="1984632"/>
+            <a:ext cx="5651500" cy="4068760"/>
+          </a:xfrm>
+          <a:prstGeom prst="rect">
+            <a:avLst/>
+          </a:prstGeom>
+        </p:spPr>
+      </p:pic>
+      <p:sp>
+        <p:nvSpPr>
+          <p:cNvPr id="5" name="文本框 4"/>
+          <p:cNvSpPr txBox="1"/>
+          <p:nvPr/>
+        </p:nvSpPr>
+        <p:spPr>
+          <a:xfrm>
+            <a:off x="2895600" y="6177995"/>
+            <a:ext cx="2238939" cy="369332"/>
+          </a:xfrm>
+          <a:prstGeom prst="rect">
+            <a:avLst/>
+          </a:prstGeom>
+          <a:noFill/>
+        </p:spPr>
+        <p:txBody>
+          <a:bodyPr wrap="none" rtlCol="0">
+            <a:spAutoFit/>
+          </a:bodyPr>
+          <a:lstStyle/>
+          <a:p>
+            <a:r>
+              <a:rPr kumimoji="1" lang="en-US" altLang="zh-CN" dirty="0" smtClean="0"/>
+              <a:t>100-1000</a:t>
+            </a:r>
+            <a:r>
+              <a:rPr kumimoji="1" lang="zh-CN" altLang="en-US" dirty="0" smtClean="0"/>
+              <a:t>个</a:t>
+            </a:r>
+            <a:r>
+              <a:rPr kumimoji="1" lang="en-US" altLang="zh-CN" dirty="0" smtClean="0"/>
+              <a:t>View</a:t>
+            </a:r>
+            <a:r>
+              <a:rPr kumimoji="1" lang="zh-CN" altLang="en-US" dirty="0" smtClean="0"/>
+              <a:t>布局</a:t>
+            </a:r>
+            <a:endParaRPr kumimoji="1" lang="zh-CN" altLang="en-US" dirty="0"/>
           </a:p>
         </p:txBody>
       </p:sp>
     </p:spTree>
     <p:extLst>
       <p:ext uri="{BB962C8B-B14F-4D97-AF65-F5344CB8AC3E}">
-        <p14:creationId xmlns:p14="http://schemas.microsoft.com/office/powerpoint/2010/main" val="3202329635"/>
+        <p14:creationId xmlns:p14="http://schemas.microsoft.com/office/powerpoint/2010/main" val="2684208881"/>
       </p:ext>
     </p:extLst>
   </p:cSld>
@@ -4338,33 +4463,6 @@
       </p:grpSpPr>
       <p:sp>
         <p:nvSpPr>
-          <p:cNvPr id="2" name="标题 1"/>
-          <p:cNvSpPr>
-            <a:spLocks noGrp="1"/>
-          </p:cNvSpPr>
-          <p:nvPr>
-            <p:ph type="title"/>
-          </p:nvPr>
-        </p:nvSpPr>
-        <p:spPr/>
-        <p:txBody>
-          <a:bodyPr/>
-          <a:lstStyle/>
-          <a:p>
-            <a:r>
-              <a:rPr kumimoji="1" lang="en-US" altLang="zh-CN" dirty="0" err="1" smtClean="0"/>
-              <a:t>AutoLayout</a:t>
-            </a:r>
-            <a:r>
-              <a:rPr kumimoji="1" lang="zh-CN" altLang="en-US" dirty="0" smtClean="0"/>
-              <a:t>的性能</a:t>
-            </a:r>
-            <a:endParaRPr kumimoji="1" lang="zh-CN" altLang="en-US" dirty="0"/>
-          </a:p>
-        </p:txBody>
-      </p:sp>
-      <p:sp>
-        <p:nvSpPr>
           <p:cNvPr id="3" name="内容占位符 2"/>
           <p:cNvSpPr>
             <a:spLocks noGrp="1"/>
@@ -4373,118 +4471,122 @@
             <p:ph idx="1"/>
           </p:nvPr>
         </p:nvSpPr>
-        <p:spPr/>
-        <p:txBody>
-          <a:bodyPr>
-            <a:normAutofit/>
-          </a:bodyPr>
-          <a:lstStyle/>
-          <a:p>
-            <a:r>
-              <a:rPr kumimoji="1" lang="zh-CN" altLang="en-US" sz="1200" dirty="0" smtClean="0"/>
-              <a:t>（数据基于</a:t>
-            </a:r>
-            <a:r>
-              <a:rPr lang="en-US" altLang="zh-CN" sz="1200" dirty="0"/>
-              <a:t>OS X EL Captain</a:t>
-            </a:r>
-            <a:r>
-              <a:rPr lang="zh-CN" altLang="en-US" sz="1200" dirty="0"/>
-              <a:t>，</a:t>
-            </a:r>
-            <a:r>
-              <a:rPr lang="en-US" altLang="zh-CN" sz="1200" dirty="0" err="1"/>
-              <a:t>Macbook</a:t>
-            </a:r>
-            <a:r>
-              <a:rPr lang="en-US" altLang="zh-CN" sz="1200" dirty="0"/>
-              <a:t> Air (13-inch Mid 2013</a:t>
-            </a:r>
-            <a:r>
-              <a:rPr lang="zh-CN" altLang="en-US" sz="1200" dirty="0"/>
-              <a:t>）上的 </a:t>
-            </a:r>
-            <a:r>
-              <a:rPr lang="en-US" altLang="zh-CN" sz="1200" dirty="0"/>
-              <a:t>iPhone 6s Plus </a:t>
-            </a:r>
-            <a:r>
-              <a:rPr lang="zh-CN" altLang="en-US" sz="1200" dirty="0"/>
-              <a:t>模拟器上</a:t>
-            </a:r>
-            <a:r>
-              <a:rPr lang="zh-CN" altLang="en-US" sz="1200" dirty="0" smtClean="0"/>
-              <a:t>采集的</a:t>
-            </a:r>
-            <a:r>
-              <a:rPr kumimoji="1" lang="zh-CN" altLang="en-US" sz="1200" dirty="0" smtClean="0"/>
-              <a:t>）</a:t>
-            </a:r>
-            <a:endParaRPr kumimoji="1" lang="zh-CN" altLang="en-US" sz="1200" dirty="0"/>
-          </a:p>
-        </p:txBody>
-      </p:sp>
-      <p:pic>
-        <p:nvPicPr>
-          <p:cNvPr id="4" name="图片 3"/>
-          <p:cNvPicPr>
-            <a:picLocks noChangeAspect="1"/>
-          </p:cNvPicPr>
-          <p:nvPr/>
-        </p:nvPicPr>
-        <p:blipFill>
-          <a:blip r:embed="rId2"/>
-          <a:stretch>
-            <a:fillRect/>
-          </a:stretch>
-        </p:blipFill>
         <p:spPr>
           <a:xfrm>
-            <a:off x="1371600" y="1984632"/>
-            <a:ext cx="5651500" cy="4068760"/>
+            <a:off x="571500" y="444500"/>
+            <a:ext cx="8229600" cy="5554663"/>
           </a:xfrm>
-          <a:prstGeom prst="rect">
-            <a:avLst/>
-          </a:prstGeom>
         </p:spPr>
-      </p:pic>
-      <p:sp>
-        <p:nvSpPr>
-          <p:cNvPr id="5" name="文本框 4"/>
-          <p:cNvSpPr txBox="1"/>
-          <p:nvPr/>
-        </p:nvSpPr>
-        <p:spPr>
-          <a:xfrm>
-            <a:off x="2895600" y="6177995"/>
-            <a:ext cx="2238939" cy="369332"/>
-          </a:xfrm>
-          <a:prstGeom prst="rect">
-            <a:avLst/>
-          </a:prstGeom>
-          <a:noFill/>
-        </p:spPr>
-        <p:txBody>
-          <a:bodyPr wrap="none" rtlCol="0">
-            <a:spAutoFit/>
-          </a:bodyPr>
-          <a:lstStyle/>
-          <a:p>
-            <a:r>
-              <a:rPr kumimoji="1" lang="en-US" altLang="zh-CN" dirty="0" smtClean="0"/>
-              <a:t>100-1000</a:t>
-            </a:r>
-            <a:r>
-              <a:rPr kumimoji="1" lang="zh-CN" altLang="en-US" dirty="0" smtClean="0"/>
-              <a:t>个</a:t>
-            </a:r>
-            <a:r>
-              <a:rPr kumimoji="1" lang="en-US" altLang="zh-CN" dirty="0" smtClean="0"/>
-              <a:t>View</a:t>
-            </a:r>
-            <a:r>
-              <a:rPr kumimoji="1" lang="zh-CN" altLang="en-US" dirty="0" smtClean="0"/>
-              <a:t>布局</a:t>
+        <p:txBody>
+          <a:bodyPr/>
+          <a:lstStyle/>
+          <a:p>
+            <a:pPr marL="0" indent="0">
+              <a:buNone/>
+            </a:pPr>
+            <a:r>
+              <a:rPr lang="zh-CN" altLang="en-US" dirty="0"/>
+              <a:t>想要让 </a:t>
+            </a:r>
+            <a:r>
+              <a:rPr lang="en-US" altLang="zh-CN" dirty="0" err="1"/>
+              <a:t>iOS</a:t>
+            </a:r>
+            <a:r>
+              <a:rPr lang="en-US" altLang="zh-CN" dirty="0"/>
+              <a:t> </a:t>
+            </a:r>
+            <a:r>
+              <a:rPr lang="zh-CN" altLang="en-US" dirty="0"/>
+              <a:t>应用的视图保持 </a:t>
+            </a:r>
+            <a:r>
+              <a:rPr lang="en-US" altLang="zh-CN" dirty="0"/>
+              <a:t>60 FPS </a:t>
+            </a:r>
+            <a:r>
+              <a:rPr lang="zh-CN" altLang="en-US" dirty="0"/>
+              <a:t>的刷新频率，我们必须在 </a:t>
+            </a:r>
+            <a:r>
+              <a:rPr lang="en-US" altLang="zh-CN" b="1" dirty="0"/>
+              <a:t>1/60 = 16.67 </a:t>
+            </a:r>
+            <a:r>
+              <a:rPr lang="en-US" altLang="zh-CN" b="1" dirty="0" err="1"/>
+              <a:t>ms</a:t>
+            </a:r>
+            <a:r>
+              <a:rPr lang="zh-CN" altLang="en-US" dirty="0"/>
+              <a:t> 之内完成包括布局、绘制以及渲染等操作</a:t>
+            </a:r>
+            <a:r>
+              <a:rPr lang="zh-CN" altLang="en-US" dirty="0" smtClean="0"/>
+              <a:t>。</a:t>
+            </a:r>
+            <a:endParaRPr lang="en-US" altLang="zh-CN" dirty="0" smtClean="0"/>
+          </a:p>
+          <a:p>
+            <a:pPr marL="0" indent="0">
+              <a:buNone/>
+            </a:pPr>
+            <a:endParaRPr kumimoji="1" lang="en-US" altLang="zh-CN" dirty="0"/>
+          </a:p>
+          <a:p>
+            <a:pPr marL="0" indent="0">
+              <a:buNone/>
+            </a:pPr>
+            <a:r>
+              <a:rPr lang="zh-CN" altLang="en-US" dirty="0"/>
+              <a:t>如果当前界面上的视图大于 </a:t>
+            </a:r>
+            <a:r>
+              <a:rPr lang="en-US" altLang="zh-CN" dirty="0"/>
+              <a:t>100 </a:t>
+            </a:r>
+            <a:r>
+              <a:rPr lang="zh-CN" altLang="en-US" dirty="0"/>
+              <a:t>的话，使用 </a:t>
+            </a:r>
+            <a:r>
+              <a:rPr lang="en-US" altLang="zh-CN" dirty="0"/>
+              <a:t>Auto Layout </a:t>
+            </a:r>
+            <a:r>
+              <a:rPr lang="zh-CN" altLang="en-US" dirty="0"/>
+              <a:t>是很难达到绝对流畅的要求的；而在使用 </a:t>
+            </a:r>
+            <a:r>
+              <a:rPr lang="en-US" altLang="zh-CN" dirty="0"/>
+              <a:t>frame</a:t>
+            </a:r>
+            <a:r>
+              <a:rPr lang="zh-CN" altLang="en-US" dirty="0"/>
+              <a:t> 时，同一个界面下哪怕有 </a:t>
+            </a:r>
+            <a:r>
+              <a:rPr lang="en-US" altLang="zh-CN" dirty="0"/>
+              <a:t>500 </a:t>
+            </a:r>
+            <a:r>
+              <a:rPr lang="zh-CN" altLang="en-US" dirty="0"/>
+              <a:t>个视图，也是可以在 </a:t>
+            </a:r>
+            <a:r>
+              <a:rPr lang="en-US" altLang="zh-CN" dirty="0"/>
+              <a:t>16.67 </a:t>
+            </a:r>
+            <a:r>
+              <a:rPr lang="en-US" altLang="zh-CN" dirty="0" err="1"/>
+              <a:t>ms</a:t>
+            </a:r>
+            <a:r>
+              <a:rPr lang="en-US" altLang="zh-CN" dirty="0"/>
+              <a:t> </a:t>
+            </a:r>
+            <a:r>
+              <a:rPr lang="zh-CN" altLang="en-US" dirty="0"/>
+              <a:t>之内完成布局的。</a:t>
             </a:r>
             <a:endParaRPr kumimoji="1" lang="zh-CN" altLang="en-US" dirty="0"/>
           </a:p>
@@ -4493,7 +4595,7 @@
     </p:spTree>
     <p:extLst>
       <p:ext uri="{BB962C8B-B14F-4D97-AF65-F5344CB8AC3E}">
-        <p14:creationId xmlns:p14="http://schemas.microsoft.com/office/powerpoint/2010/main" val="2684208881"/>
+        <p14:creationId xmlns:p14="http://schemas.microsoft.com/office/powerpoint/2010/main" val="1165244499"/>
       </p:ext>
     </p:extLst>
   </p:cSld>
@@ -4520,36 +4622,98 @@
           <a:chExt cx="0" cy="0"/>
         </a:xfrm>
       </p:grpSpPr>
-      <p:sp>
-        <p:nvSpPr>
-          <p:cNvPr id="3" name="内容占位符 2"/>
-          <p:cNvSpPr>
-            <a:spLocks noGrp="1"/>
-          </p:cNvSpPr>
-          <p:nvPr>
-            <p:ph idx="1"/>
-          </p:nvPr>
-        </p:nvSpPr>
+      <p:pic>
+        <p:nvPicPr>
+          <p:cNvPr id="4" name="图片 3"/>
+          <p:cNvPicPr>
+            <a:picLocks noChangeAspect="1"/>
+          </p:cNvPicPr>
+          <p:nvPr/>
+        </p:nvPicPr>
+        <p:blipFill>
+          <a:blip r:embed="rId2"/>
+          <a:stretch>
+            <a:fillRect/>
+          </a:stretch>
+        </p:blipFill>
         <p:spPr>
           <a:xfrm>
-            <a:off x="571500" y="444500"/>
-            <a:ext cx="8229600" cy="5554663"/>
+            <a:off x="838200" y="266700"/>
+            <a:ext cx="7632700" cy="5114240"/>
           </a:xfrm>
+          <a:prstGeom prst="rect">
+            <a:avLst/>
+          </a:prstGeom>
         </p:spPr>
-        <p:txBody>
-          <a:bodyPr/>
-          <a:lstStyle/>
-          <a:p>
-            <a:pPr marL="0" indent="0">
-              <a:buNone/>
-            </a:pPr>
+      </p:pic>
+      <p:sp>
+        <p:nvSpPr>
+          <p:cNvPr id="5" name="文本框 4"/>
+          <p:cNvSpPr txBox="1"/>
+          <p:nvPr/>
+        </p:nvSpPr>
+        <p:spPr>
+          <a:xfrm>
+            <a:off x="1841500" y="5758934"/>
+            <a:ext cx="5239422" cy="646331"/>
+          </a:xfrm>
+          <a:prstGeom prst="rect">
+            <a:avLst/>
+          </a:prstGeom>
+          <a:noFill/>
+        </p:spPr>
+        <p:txBody>
+          <a:bodyPr wrap="none" rtlCol="0">
+            <a:spAutoFit/>
+          </a:bodyPr>
+          <a:lstStyle/>
+          <a:p>
+            <a:r>
+              <a:rPr lang="zh-CN" altLang="en-US" dirty="0" smtClean="0"/>
+              <a:t>当对</a:t>
+            </a:r>
+            <a:r>
+              <a:rPr lang="en-US" altLang="zh-CN" b="1" dirty="0" smtClean="0"/>
+              <a:t>30 </a:t>
+            </a:r>
+            <a:r>
+              <a:rPr lang="zh-CN" altLang="en-US" b="1" dirty="0"/>
+              <a:t>个左右视图</a:t>
+            </a:r>
             <a:r>
               <a:rPr lang="zh-CN" altLang="en-US" dirty="0"/>
-              <a:t>想要让 </a:t>
+              <a:t>使用 </a:t>
+            </a:r>
+            <a:r>
+              <a:rPr lang="en-US" altLang="zh-CN" dirty="0"/>
+              <a:t>Auto Layout </a:t>
+            </a:r>
+            <a:r>
+              <a:rPr lang="zh-CN" altLang="en-US" dirty="0"/>
+              <a:t>进行布局时</a:t>
+            </a:r>
+            <a:r>
+              <a:rPr lang="zh-CN" altLang="en-US" dirty="0" smtClean="0"/>
+              <a:t>，</a:t>
+            </a:r>
+            <a:endParaRPr lang="en-US" altLang="zh-CN" dirty="0" smtClean="0"/>
+          </a:p>
+          <a:p>
+            <a:r>
+              <a:rPr lang="zh-CN" altLang="en-US" dirty="0" smtClean="0"/>
+              <a:t>所</a:t>
+            </a:r>
+            <a:r>
+              <a:rPr lang="zh-CN" altLang="en-US" dirty="0"/>
+              <a:t>需要的时间就会在 </a:t>
+            </a:r>
+            <a:r>
+              <a:rPr lang="en-US" altLang="zh-CN" dirty="0"/>
+              <a:t>16.67 </a:t>
             </a:r>
             <a:r>
               <a:rPr lang="en-US" altLang="zh-CN" dirty="0" err="1"/>
-              <a:t>iOS</a:t>
+              <a:t>ms</a:t>
             </a:r>
             <a:r>
               <a:rPr lang="en-US" altLang="zh-CN" dirty="0"/>
@@ -4557,95 +4721,7 @@
             </a:r>
             <a:r>
               <a:rPr lang="zh-CN" altLang="en-US" dirty="0"/>
-              <a:t>应用的视图保持 </a:t>
-            </a:r>
-            <a:r>
-              <a:rPr lang="en-US" altLang="zh-CN" dirty="0"/>
-              <a:t>60 FPS </a:t>
-            </a:r>
-            <a:r>
-              <a:rPr lang="zh-CN" altLang="en-US" dirty="0"/>
-              <a:t>的刷新频率，我们必须在 </a:t>
-            </a:r>
-            <a:r>
-              <a:rPr lang="en-US" altLang="zh-CN" b="1" dirty="0"/>
-              <a:t>1/60 = 16.67 </a:t>
-            </a:r>
-            <a:r>
-              <a:rPr lang="en-US" altLang="zh-CN" b="1" dirty="0" err="1"/>
-              <a:t>ms</a:t>
-            </a:r>
-            <a:r>
-              <a:rPr lang="zh-CN" altLang="en-US" dirty="0"/>
-              <a:t> 之内完成包括布局、绘制以及渲染等操作</a:t>
-            </a:r>
-            <a:r>
-              <a:rPr lang="zh-CN" altLang="en-US" dirty="0" smtClean="0"/>
-              <a:t>。</a:t>
-            </a:r>
-            <a:endParaRPr lang="en-US" altLang="zh-CN" dirty="0" smtClean="0"/>
-          </a:p>
-          <a:p>
-            <a:pPr marL="0" indent="0">
-              <a:buNone/>
-            </a:pPr>
-            <a:endParaRPr kumimoji="1" lang="en-US" altLang="zh-CN" dirty="0"/>
-          </a:p>
-          <a:p>
-            <a:pPr marL="0" indent="0">
-              <a:buNone/>
-            </a:pPr>
-            <a:r>
-              <a:rPr lang="zh-CN" altLang="en-US" dirty="0"/>
-              <a:t>如果当前界面上的视图大于 </a:t>
-            </a:r>
-            <a:r>
-              <a:rPr lang="en-US" altLang="zh-CN" dirty="0"/>
-              <a:t>100 </a:t>
-            </a:r>
-            <a:r>
-              <a:rPr lang="zh-CN" altLang="en-US" dirty="0"/>
-              <a:t>的话，使用 </a:t>
-            </a:r>
-            <a:r>
-              <a:rPr lang="en-US" altLang="zh-CN" dirty="0"/>
-              <a:t>Auto Layout </a:t>
-            </a:r>
-            <a:r>
-              <a:rPr lang="zh-CN" altLang="en-US" dirty="0"/>
-              <a:t>是很难达到绝对流畅的要求的；而在使用 </a:t>
-            </a:r>
-            <a:r>
-              <a:rPr lang="en-US" altLang="zh-CN" dirty="0"/>
-              <a:t>frame</a:t>
-            </a:r>
-            <a:r>
-              <a:rPr lang="zh-CN" altLang="en-US" dirty="0"/>
-              <a:t> 时，同一个界面下哪怕有 </a:t>
-            </a:r>
-            <a:r>
-              <a:rPr lang="en-US" altLang="zh-CN" dirty="0"/>
-              <a:t>500 </a:t>
-            </a:r>
-            <a:r>
-              <a:rPr lang="zh-CN" altLang="en-US" dirty="0"/>
-              <a:t>个视图，也是可以在 </a:t>
-            </a:r>
-            <a:r>
-              <a:rPr lang="en-US" altLang="zh-CN" dirty="0"/>
-              <a:t>16.67 </a:t>
-            </a:r>
-            <a:r>
-              <a:rPr lang="en-US" altLang="zh-CN" dirty="0" err="1"/>
-              <a:t>ms</a:t>
-            </a:r>
-            <a:r>
-              <a:rPr lang="en-US" altLang="zh-CN" dirty="0"/>
-              <a:t> </a:t>
-            </a:r>
-            <a:r>
-              <a:rPr lang="zh-CN" altLang="en-US" dirty="0"/>
-              <a:t>之内完成布局的。</a:t>
+              <a:t>左右</a:t>
             </a:r>
             <a:endParaRPr kumimoji="1" lang="zh-CN" altLang="en-US" dirty="0"/>
           </a:p>
@@ -4654,7 +4730,7 @@
     </p:spTree>
     <p:extLst>
       <p:ext uri="{BB962C8B-B14F-4D97-AF65-F5344CB8AC3E}">
-        <p14:creationId xmlns:p14="http://schemas.microsoft.com/office/powerpoint/2010/main" val="1165244499"/>
+        <p14:creationId xmlns:p14="http://schemas.microsoft.com/office/powerpoint/2010/main" val="204567906"/>
       </p:ext>
     </p:extLst>
   </p:cSld>
@@ -4865,8 +4941,8 @@
         </p:blipFill>
         <p:spPr>
           <a:xfrm>
-            <a:off x="838200" y="266700"/>
-            <a:ext cx="7632700" cy="5114240"/>
+            <a:off x="635000" y="266700"/>
+            <a:ext cx="7874000" cy="5133127"/>
           </a:xfrm>
           <a:prstGeom prst="rect">
             <a:avLst/>
@@ -4881,8 +4957,8 @@
         </p:nvSpPr>
         <p:spPr>
           <a:xfrm>
-            <a:off x="1841500" y="5758934"/>
-            <a:ext cx="5239422" cy="646331"/>
+            <a:off x="901700" y="5854700"/>
+            <a:ext cx="7035475" cy="646331"/>
           </a:xfrm>
           <a:prstGeom prst="rect">
             <a:avLst/>
@@ -4896,59 +4972,31 @@
           <a:lstStyle/>
           <a:p>
             <a:r>
-              <a:rPr lang="zh-CN" altLang="en-US" dirty="0" smtClean="0"/>
-              <a:t>当对</a:t>
-            </a:r>
-            <a:r>
-              <a:rPr lang="en-US" altLang="zh-CN" b="1" dirty="0" smtClean="0"/>
-              <a:t>30 </a:t>
-            </a:r>
-            <a:r>
-              <a:rPr lang="zh-CN" altLang="en-US" b="1" dirty="0"/>
-              <a:t>个左右视图</a:t>
-            </a:r>
-            <a:r>
               <a:rPr lang="zh-CN" altLang="en-US" dirty="0"/>
-              <a:t>使用 </a:t>
+              <a:t>在视图数量大于 </a:t>
+            </a:r>
+            <a:r>
+              <a:rPr lang="en-US" altLang="zh-CN" dirty="0"/>
+              <a:t>200 </a:t>
+            </a:r>
+            <a:r>
+              <a:rPr lang="zh-CN" altLang="en-US" dirty="0"/>
+              <a:t>之后，随着视图数量的增加，使用 </a:t>
             </a:r>
             <a:r>
               <a:rPr lang="en-US" altLang="zh-CN" dirty="0"/>
               <a:t>Auto Layout </a:t>
             </a:r>
+            <a:endParaRPr lang="en-US" altLang="zh-CN" dirty="0" smtClean="0"/>
+          </a:p>
+          <a:p>
+            <a:r>
+              <a:rPr lang="zh-CN" altLang="en-US" dirty="0" smtClean="0"/>
+              <a:t>对嵌套视图进</a:t>
+            </a:r>
             <a:r>
               <a:rPr lang="zh-CN" altLang="en-US" dirty="0"/>
-              <a:t>进行布局时</a:t>
-            </a:r>
-            <a:r>
-              <a:rPr lang="zh-CN" altLang="en-US" dirty="0" smtClean="0"/>
-              <a:t>，</a:t>
-            </a:r>
-            <a:endParaRPr lang="en-US" altLang="zh-CN" dirty="0" smtClean="0"/>
-          </a:p>
-          <a:p>
-            <a:r>
-              <a:rPr lang="zh-CN" altLang="en-US" dirty="0" smtClean="0"/>
-              <a:t>所</a:t>
-            </a:r>
-            <a:r>
-              <a:rPr lang="zh-CN" altLang="en-US" dirty="0"/>
-              <a:t>需要的时间就会在 </a:t>
-            </a:r>
-            <a:r>
-              <a:rPr lang="en-US" altLang="zh-CN" dirty="0"/>
-              <a:t>16.67 </a:t>
-            </a:r>
-            <a:r>
-              <a:rPr lang="en-US" altLang="zh-CN" dirty="0" err="1"/>
-              <a:t>ms</a:t>
-            </a:r>
-            <a:r>
-              <a:rPr lang="en-US" altLang="zh-CN" dirty="0"/>
-              <a:t> </a:t>
-            </a:r>
-            <a:r>
-              <a:rPr lang="zh-CN" altLang="en-US" dirty="0"/>
-              <a:t>左右</a:t>
+              <a:t>行布局的时间相比非嵌套的布局成倍增长。</a:t>
             </a:r>
             <a:endParaRPr kumimoji="1" lang="zh-CN" altLang="en-US" dirty="0"/>
           </a:p>
@@ -4957,7 +5005,7 @@
     </p:spTree>
     <p:extLst>
       <p:ext uri="{BB962C8B-B14F-4D97-AF65-F5344CB8AC3E}">
-        <p14:creationId xmlns:p14="http://schemas.microsoft.com/office/powerpoint/2010/main" val="204567906"/>
+        <p14:creationId xmlns:p14="http://schemas.microsoft.com/office/powerpoint/2010/main" val="3003680741"/>
       </p:ext>
     </p:extLst>
   </p:cSld>
@@ -4984,78 +5032,176 @@
           <a:chExt cx="0" cy="0"/>
         </a:xfrm>
       </p:grpSpPr>
-      <p:pic>
-        <p:nvPicPr>
-          <p:cNvPr id="4" name="图片 3"/>
-          <p:cNvPicPr>
-            <a:picLocks noChangeAspect="1"/>
-          </p:cNvPicPr>
-          <p:nvPr/>
-        </p:nvPicPr>
-        <p:blipFill>
-          <a:blip r:embed="rId2"/>
-          <a:stretch>
-            <a:fillRect/>
-          </a:stretch>
-        </p:blipFill>
-        <p:spPr>
-          <a:xfrm>
-            <a:off x="635000" y="266700"/>
-            <a:ext cx="7874000" cy="5133127"/>
-          </a:xfrm>
-          <a:prstGeom prst="rect">
-            <a:avLst/>
-          </a:prstGeom>
-        </p:spPr>
-      </p:pic>
-      <p:sp>
-        <p:nvSpPr>
-          <p:cNvPr id="5" name="文本框 4"/>
-          <p:cNvSpPr txBox="1"/>
-          <p:nvPr/>
-        </p:nvSpPr>
-        <p:spPr>
-          <a:xfrm>
-            <a:off x="901700" y="5854700"/>
-            <a:ext cx="7035475" cy="646331"/>
-          </a:xfrm>
-          <a:prstGeom prst="rect">
-            <a:avLst/>
-          </a:prstGeom>
-          <a:noFill/>
-        </p:spPr>
-        <p:txBody>
-          <a:bodyPr wrap="none" rtlCol="0">
-            <a:spAutoFit/>
-          </a:bodyPr>
-          <a:lstStyle/>
-          <a:p>
-            <a:r>
-              <a:rPr lang="zh-CN" altLang="en-US" dirty="0"/>
-              <a:t>在视图数量大于 </a:t>
-            </a:r>
-            <a:r>
-              <a:rPr lang="en-US" altLang="zh-CN" dirty="0"/>
-              <a:t>200 </a:t>
-            </a:r>
-            <a:r>
-              <a:rPr lang="zh-CN" altLang="en-US" dirty="0"/>
-              <a:t>之后，随着视图数量的增加，使用 </a:t>
-            </a:r>
-            <a:r>
-              <a:rPr lang="en-US" altLang="zh-CN" dirty="0"/>
-              <a:t>Auto Layout </a:t>
-            </a:r>
-            <a:endParaRPr lang="en-US" altLang="zh-CN" dirty="0" smtClean="0"/>
-          </a:p>
-          <a:p>
-            <a:r>
-              <a:rPr lang="zh-CN" altLang="en-US" dirty="0" smtClean="0"/>
-              <a:t>对嵌套视图进</a:t>
-            </a:r>
-            <a:r>
-              <a:rPr lang="zh-CN" altLang="en-US" dirty="0"/>
-              <a:t>行布局的时间相比非嵌套的布局成倍增长。</a:t>
+      <p:sp>
+        <p:nvSpPr>
+          <p:cNvPr id="2" name="标题 1"/>
+          <p:cNvSpPr>
+            <a:spLocks noGrp="1"/>
+          </p:cNvSpPr>
+          <p:nvPr>
+            <p:ph type="title"/>
+          </p:nvPr>
+        </p:nvSpPr>
+        <p:spPr/>
+        <p:txBody>
+          <a:bodyPr/>
+          <a:lstStyle/>
+          <a:p>
+            <a:r>
+              <a:rPr kumimoji="1" lang="en-US" altLang="zh-CN" dirty="0" err="1" smtClean="0"/>
+              <a:t>AutoLayout</a:t>
+            </a:r>
+            <a:r>
+              <a:rPr kumimoji="1" lang="zh-CN" altLang="en-US" dirty="0" smtClean="0"/>
+              <a:t>和</a:t>
+            </a:r>
+            <a:r>
+              <a:rPr kumimoji="1" lang="en-US" altLang="zh-CN" dirty="0" smtClean="0"/>
+              <a:t>Frame</a:t>
+            </a:r>
+            <a:r>
+              <a:rPr kumimoji="1" lang="zh-CN" altLang="en-US" dirty="0" smtClean="0"/>
+              <a:t>的混用</a:t>
+            </a:r>
+            <a:endParaRPr kumimoji="1" lang="zh-CN" altLang="en-US" dirty="0"/>
+          </a:p>
+        </p:txBody>
+      </p:sp>
+      <p:sp>
+        <p:nvSpPr>
+          <p:cNvPr id="3" name="内容占位符 2"/>
+          <p:cNvSpPr>
+            <a:spLocks noGrp="1"/>
+          </p:cNvSpPr>
+          <p:nvPr>
+            <p:ph idx="1"/>
+          </p:nvPr>
+        </p:nvSpPr>
+        <p:spPr/>
+        <p:txBody>
+          <a:bodyPr/>
+          <a:lstStyle/>
+          <a:p>
+            <a:r>
+              <a:rPr kumimoji="1" lang="en-US" altLang="zh-CN" dirty="0" err="1" smtClean="0"/>
+              <a:t>Superview</a:t>
+            </a:r>
+            <a:r>
+              <a:rPr kumimoji="1" lang="zh-CN" altLang="en-US" dirty="0" smtClean="0"/>
+              <a:t> </a:t>
+            </a:r>
+            <a:r>
+              <a:rPr kumimoji="1" lang="en-US" altLang="zh-CN" dirty="0" err="1" smtClean="0"/>
+              <a:t>autoLayout</a:t>
+            </a:r>
+            <a:r>
+              <a:rPr kumimoji="1" lang="zh-CN" altLang="en-US" dirty="0" smtClean="0"/>
+              <a:t> </a:t>
+            </a:r>
+            <a:r>
+              <a:rPr kumimoji="1" lang="en-US" altLang="zh-CN" dirty="0" smtClean="0"/>
+              <a:t>&amp;&amp;</a:t>
+            </a:r>
+            <a:r>
+              <a:rPr kumimoji="1" lang="zh-CN" altLang="en-US" dirty="0" smtClean="0"/>
+              <a:t> </a:t>
+            </a:r>
+            <a:r>
+              <a:rPr kumimoji="1" lang="en-US" altLang="zh-CN" dirty="0" err="1" smtClean="0"/>
+              <a:t>subview</a:t>
+            </a:r>
+            <a:r>
+              <a:rPr kumimoji="1" lang="zh-CN" altLang="en-US" dirty="0" smtClean="0"/>
+              <a:t> </a:t>
+            </a:r>
+            <a:r>
+              <a:rPr kumimoji="1" lang="en-US" altLang="zh-CN" dirty="0" smtClean="0"/>
+              <a:t>frame</a:t>
+            </a:r>
+          </a:p>
+          <a:p>
+            <a:r>
+              <a:rPr kumimoji="1" lang="en-US" altLang="zh-CN" dirty="0" err="1" smtClean="0"/>
+              <a:t>Superview</a:t>
+            </a:r>
+            <a:r>
+              <a:rPr kumimoji="1" lang="zh-CN" altLang="en-US" dirty="0" smtClean="0"/>
+              <a:t> </a:t>
+            </a:r>
+            <a:r>
+              <a:rPr kumimoji="1" lang="en-US" altLang="zh-CN" dirty="0" smtClean="0"/>
+              <a:t>frame</a:t>
+            </a:r>
+            <a:r>
+              <a:rPr kumimoji="1" lang="zh-CN" altLang="en-US" dirty="0" smtClean="0"/>
+              <a:t> </a:t>
+            </a:r>
+            <a:r>
+              <a:rPr kumimoji="1" lang="en-US" altLang="zh-CN" dirty="0" smtClean="0"/>
+              <a:t>&amp;&amp;</a:t>
+            </a:r>
+            <a:r>
+              <a:rPr kumimoji="1" lang="zh-CN" altLang="en-US" dirty="0" smtClean="0"/>
+              <a:t> </a:t>
+            </a:r>
+            <a:r>
+              <a:rPr kumimoji="1" lang="en-US" altLang="zh-CN" dirty="0" err="1" smtClean="0"/>
+              <a:t>subview</a:t>
+            </a:r>
+            <a:r>
+              <a:rPr kumimoji="1" lang="zh-CN" altLang="en-US" dirty="0" smtClean="0"/>
+              <a:t> </a:t>
+            </a:r>
+            <a:r>
+              <a:rPr kumimoji="1" lang="en-US" altLang="zh-CN" dirty="0" err="1" smtClean="0"/>
+              <a:t>autoLayout</a:t>
+            </a:r>
+            <a:endParaRPr kumimoji="1" lang="en-US" altLang="zh-CN" dirty="0" smtClean="0"/>
+          </a:p>
+          <a:p>
+            <a:r>
+              <a:rPr kumimoji="1" lang="en-US" altLang="zh-CN" dirty="0" err="1" smtClean="0"/>
+              <a:t>AutoLayout</a:t>
+            </a:r>
+            <a:r>
+              <a:rPr kumimoji="1" lang="zh-CN" altLang="en-US" dirty="0" smtClean="0"/>
+              <a:t> </a:t>
+            </a:r>
+            <a:r>
+              <a:rPr kumimoji="1" lang="en-US" altLang="zh-CN" dirty="0" smtClean="0"/>
+              <a:t>and</a:t>
+            </a:r>
+            <a:r>
+              <a:rPr kumimoji="1" lang="zh-CN" altLang="en-US" dirty="0" smtClean="0"/>
+              <a:t> </a:t>
+            </a:r>
+            <a:r>
+              <a:rPr kumimoji="1" lang="en-US" altLang="zh-CN" dirty="0" smtClean="0"/>
+              <a:t>frame</a:t>
+            </a:r>
+            <a:r>
+              <a:rPr kumimoji="1" lang="zh-CN" altLang="en-US" dirty="0" smtClean="0"/>
+              <a:t> </a:t>
+            </a:r>
+            <a:r>
+              <a:rPr kumimoji="1" lang="en-US" altLang="zh-CN" dirty="0" smtClean="0"/>
+              <a:t>in</a:t>
+            </a:r>
+            <a:r>
+              <a:rPr kumimoji="1" lang="zh-CN" altLang="en-US" dirty="0" smtClean="0"/>
+              <a:t> </a:t>
+            </a:r>
+            <a:r>
+              <a:rPr kumimoji="1" lang="en-US" altLang="zh-CN" dirty="0" smtClean="0"/>
+              <a:t>same</a:t>
+            </a:r>
+            <a:r>
+              <a:rPr kumimoji="1" lang="zh-CN" altLang="en-US" dirty="0" smtClean="0"/>
+              <a:t> </a:t>
+            </a:r>
+            <a:r>
+              <a:rPr kumimoji="1" lang="en-US" altLang="zh-CN" dirty="0" smtClean="0"/>
+              <a:t>view</a:t>
             </a:r>
             <a:endParaRPr kumimoji="1" lang="zh-CN" altLang="en-US" dirty="0"/>
           </a:p>
@@ -5064,7 +5210,7 @@
     </p:spTree>
     <p:extLst>
       <p:ext uri="{BB962C8B-B14F-4D97-AF65-F5344CB8AC3E}">
-        <p14:creationId xmlns:p14="http://schemas.microsoft.com/office/powerpoint/2010/main" val="3003680741"/>
+        <p14:creationId xmlns:p14="http://schemas.microsoft.com/office/powerpoint/2010/main" val="131489140"/>
       </p:ext>
     </p:extLst>
   </p:cSld>
@@ -5112,156 +5258,196 @@
             </a:r>
             <a:r>
               <a:rPr kumimoji="1" lang="zh-CN" altLang="en-US" dirty="0" smtClean="0"/>
-              <a:t>和</a:t>
-            </a:r>
-            <a:r>
-              <a:rPr kumimoji="1" lang="en-US" altLang="zh-CN" dirty="0" smtClean="0"/>
-              <a:t>Frame</a:t>
-            </a:r>
+              <a:t>生命周期</a:t>
+            </a:r>
+            <a:endParaRPr kumimoji="1" lang="zh-CN" altLang="en-US" dirty="0"/>
+          </a:p>
+        </p:txBody>
+      </p:sp>
+      <p:sp>
+        <p:nvSpPr>
+          <p:cNvPr id="3" name="内容占位符 2"/>
+          <p:cNvSpPr>
+            <a:spLocks noGrp="1"/>
+          </p:cNvSpPr>
+          <p:nvPr>
+            <p:ph idx="1"/>
+          </p:nvPr>
+        </p:nvSpPr>
+        <p:spPr/>
+        <p:txBody>
+          <a:bodyPr>
+            <a:normAutofit fontScale="70000" lnSpcReduction="20000"/>
+          </a:bodyPr>
+          <a:lstStyle/>
+          <a:p>
             <a:r>
               <a:rPr kumimoji="1" lang="zh-CN" altLang="en-US" dirty="0" smtClean="0"/>
-              <a:t>的混用</a:t>
-            </a:r>
-            <a:endParaRPr kumimoji="1" lang="zh-CN" altLang="en-US" dirty="0"/>
-          </a:p>
-        </p:txBody>
-      </p:sp>
-      <p:sp>
-        <p:nvSpPr>
-          <p:cNvPr id="3" name="内容占位符 2"/>
-          <p:cNvSpPr>
-            <a:spLocks noGrp="1"/>
-          </p:cNvSpPr>
-          <p:nvPr>
-            <p:ph idx="1"/>
-          </p:nvPr>
-        </p:nvSpPr>
-        <p:spPr/>
-        <p:txBody>
-          <a:bodyPr/>
-          <a:lstStyle/>
-          <a:p>
-            <a:r>
-              <a:rPr kumimoji="1" lang="en-US" altLang="zh-CN" dirty="0" err="1" smtClean="0"/>
-              <a:t>Superview</a:t>
-            </a:r>
-            <a:r>
-              <a:rPr kumimoji="1" lang="zh-CN" altLang="en-US" dirty="0" smtClean="0"/>
-              <a:t> </a:t>
-            </a:r>
-            <a:r>
-              <a:rPr kumimoji="1" lang="en-US" altLang="zh-CN" dirty="0" err="1" smtClean="0"/>
-              <a:t>autoLayout</a:t>
-            </a:r>
-            <a:r>
-              <a:rPr kumimoji="1" lang="zh-CN" altLang="en-US" dirty="0" smtClean="0"/>
-              <a:t> </a:t>
-            </a:r>
-            <a:r>
-              <a:rPr kumimoji="1" lang="en-US" altLang="zh-CN" dirty="0" smtClean="0"/>
-              <a:t>And</a:t>
-            </a:r>
-            <a:r>
-              <a:rPr kumimoji="1" lang="zh-CN" altLang="en-US" dirty="0" smtClean="0"/>
-              <a:t> </a:t>
-            </a:r>
-            <a:r>
-              <a:rPr kumimoji="1" lang="en-US" altLang="zh-CN" dirty="0" err="1" smtClean="0"/>
-              <a:t>subview</a:t>
-            </a:r>
-            <a:r>
-              <a:rPr kumimoji="1" lang="zh-CN" altLang="en-US" dirty="0" smtClean="0"/>
-              <a:t> </a:t>
-            </a:r>
-            <a:r>
-              <a:rPr kumimoji="1" lang="en-US" altLang="zh-CN" dirty="0" smtClean="0"/>
+              <a:t>布局过程</a:t>
+            </a:r>
+            <a:endParaRPr kumimoji="1" lang="en-US" altLang="zh-CN" dirty="0" smtClean="0"/>
+          </a:p>
+          <a:p>
+            <a:pPr marL="0" indent="0">
+              <a:buNone/>
+            </a:pPr>
+            <a:r>
+              <a:rPr lang="en-US" altLang="zh-CN" dirty="0" err="1"/>
+              <a:t>updateConstraints</a:t>
+            </a:r>
+            <a:r>
+              <a:rPr lang="en-US" altLang="zh-CN" dirty="0"/>
+              <a:t> -&gt; </a:t>
+            </a:r>
+            <a:r>
+              <a:rPr lang="en-US" altLang="zh-CN" dirty="0" err="1"/>
+              <a:t>layoutSubViews</a:t>
+            </a:r>
+            <a:r>
+              <a:rPr lang="en-US" altLang="zh-CN" dirty="0"/>
+              <a:t> -&gt; </a:t>
+            </a:r>
+            <a:r>
+              <a:rPr lang="en-US" altLang="zh-CN" dirty="0" err="1" smtClean="0"/>
+              <a:t>drawRect</a:t>
+            </a:r>
+            <a:endParaRPr lang="en-US" altLang="zh-CN" dirty="0" smtClean="0"/>
+          </a:p>
+          <a:p>
+            <a:pPr marL="0" indent="0">
+              <a:buNone/>
+            </a:pPr>
+            <a:endParaRPr lang="en-US" altLang="zh-CN" dirty="0" smtClean="0"/>
+          </a:p>
+          <a:p>
+            <a:pPr marL="0" indent="0">
+              <a:buNone/>
+            </a:pPr>
+            <a:r>
+              <a:rPr lang="zh-CN" altLang="en-US" dirty="0" smtClean="0"/>
+              <a:t>在设置好约束之后，不要期望</a:t>
+            </a:r>
+            <a:r>
+              <a:rPr lang="en-US" altLang="zh-CN" dirty="0" smtClean="0"/>
               <a:t>frame</a:t>
             </a:r>
-          </a:p>
-          <a:p>
-            <a:r>
-              <a:rPr kumimoji="1" lang="en-US" altLang="zh-CN" dirty="0" err="1" smtClean="0"/>
-              <a:t>Superview</a:t>
-            </a:r>
-            <a:r>
-              <a:rPr kumimoji="1" lang="zh-CN" altLang="en-US" dirty="0" smtClean="0"/>
-              <a:t> </a:t>
-            </a:r>
-            <a:r>
-              <a:rPr kumimoji="1" lang="en-US" altLang="zh-CN" dirty="0" smtClean="0"/>
+            <a:r>
+              <a:rPr lang="zh-CN" altLang="en-US" dirty="0" smtClean="0"/>
+              <a:t>会马上被设置。</a:t>
+            </a:r>
+            <a:endParaRPr lang="en-US" altLang="zh-CN" dirty="0" smtClean="0"/>
+          </a:p>
+          <a:p>
+            <a:pPr marL="0" indent="0">
+              <a:buNone/>
+            </a:pPr>
+            <a:endParaRPr lang="en-US" altLang="zh-CN" dirty="0" smtClean="0"/>
+          </a:p>
+          <a:p>
+            <a:pPr marL="0" indent="0">
+              <a:buNone/>
+            </a:pPr>
+            <a:r>
+              <a:rPr lang="zh-CN" altLang="en-US" dirty="0" smtClean="0"/>
+              <a:t>那什么时候能拿到</a:t>
+            </a:r>
+            <a:r>
+              <a:rPr lang="en-US" altLang="zh-CN" dirty="0" smtClean="0"/>
               <a:t>frame</a:t>
             </a:r>
             <a:r>
-              <a:rPr kumimoji="1" lang="zh-CN" altLang="en-US" dirty="0" smtClean="0"/>
-              <a:t> </a:t>
-            </a:r>
-            <a:r>
-              <a:rPr kumimoji="1" lang="en-US" altLang="zh-CN" dirty="0" smtClean="0"/>
-              <a:t>And</a:t>
-            </a:r>
-            <a:r>
-              <a:rPr kumimoji="1" lang="zh-CN" altLang="en-US" dirty="0" smtClean="0"/>
-              <a:t> </a:t>
-            </a:r>
-            <a:r>
-              <a:rPr kumimoji="1" lang="en-US" altLang="zh-CN" dirty="0" err="1" smtClean="0"/>
-              <a:t>subview</a:t>
-            </a:r>
-            <a:r>
-              <a:rPr kumimoji="1" lang="zh-CN" altLang="en-US" dirty="0" smtClean="0"/>
-              <a:t> </a:t>
-            </a:r>
-            <a:r>
-              <a:rPr kumimoji="1" lang="en-US" altLang="zh-CN" dirty="0" err="1" smtClean="0"/>
-              <a:t>autoLayout</a:t>
-            </a:r>
-            <a:endParaRPr kumimoji="1" lang="en-US" altLang="zh-CN" dirty="0" smtClean="0"/>
-          </a:p>
-          <a:p>
-            <a:r>
-              <a:rPr kumimoji="1" lang="en-US" altLang="zh-CN" dirty="0" err="1" smtClean="0"/>
-              <a:t>AutoLayout</a:t>
-            </a:r>
-            <a:r>
-              <a:rPr kumimoji="1" lang="zh-CN" altLang="en-US" dirty="0" smtClean="0"/>
-              <a:t> </a:t>
-            </a:r>
-            <a:r>
-              <a:rPr kumimoji="1" lang="en-US" altLang="zh-CN" dirty="0" smtClean="0"/>
-              <a:t>and</a:t>
-            </a:r>
-            <a:r>
-              <a:rPr kumimoji="1" lang="zh-CN" altLang="en-US" dirty="0" smtClean="0"/>
-              <a:t> </a:t>
-            </a:r>
-            <a:r>
-              <a:rPr kumimoji="1" lang="en-US" altLang="zh-CN" dirty="0" smtClean="0"/>
-              <a:t>frame</a:t>
-            </a:r>
-            <a:r>
-              <a:rPr kumimoji="1" lang="zh-CN" altLang="en-US" dirty="0" smtClean="0"/>
-              <a:t> </a:t>
-            </a:r>
-            <a:r>
-              <a:rPr kumimoji="1" lang="en-US" altLang="zh-CN" dirty="0" smtClean="0"/>
-              <a:t>in</a:t>
-            </a:r>
-            <a:r>
-              <a:rPr kumimoji="1" lang="zh-CN" altLang="en-US" dirty="0" smtClean="0"/>
-              <a:t> </a:t>
-            </a:r>
-            <a:r>
-              <a:rPr kumimoji="1" lang="en-US" altLang="zh-CN" dirty="0" smtClean="0"/>
-              <a:t>same</a:t>
-            </a:r>
-            <a:r>
-              <a:rPr kumimoji="1" lang="zh-CN" altLang="en-US" dirty="0" smtClean="0"/>
-              <a:t> </a:t>
-            </a:r>
-            <a:r>
-              <a:rPr kumimoji="1" lang="en-US" altLang="zh-CN" smtClean="0"/>
-              <a:t>view</a:t>
-            </a:r>
+              <a:rPr lang="zh-CN" altLang="en-US" dirty="0" smtClean="0"/>
+              <a:t>呢？</a:t>
+            </a:r>
+            <a:endParaRPr lang="en-US" altLang="zh-CN" dirty="0" smtClean="0"/>
+          </a:p>
+          <a:p>
+            <a:pPr>
+              <a:buFontTx/>
+              <a:buChar char="-"/>
+            </a:pPr>
+            <a:r>
+              <a:rPr lang="en-US" altLang="zh-CN" b="1" dirty="0" err="1" smtClean="0"/>
+              <a:t>viewDidLayoutSubviews</a:t>
+            </a:r>
+            <a:endParaRPr lang="en-US" altLang="zh-CN" b="1" dirty="0" smtClean="0"/>
+          </a:p>
+          <a:p>
+            <a:pPr>
+              <a:buFontTx/>
+              <a:buChar char="-"/>
+            </a:pPr>
+            <a:r>
+              <a:rPr lang="en-US" altLang="zh-CN" b="1" dirty="0" err="1" smtClean="0"/>
+              <a:t>layoutSubviews</a:t>
+            </a:r>
+            <a:endParaRPr lang="en-US" altLang="zh-CN" b="1" dirty="0"/>
+          </a:p>
+          <a:p>
+            <a:pPr marL="0" indent="0">
+              <a:buNone/>
+            </a:pPr>
+            <a:endParaRPr lang="en-US" altLang="zh-CN" dirty="0" smtClean="0"/>
+          </a:p>
+          <a:p>
+            <a:pPr marL="0" indent="0">
+              <a:buNone/>
+            </a:pPr>
+            <a:r>
+              <a:rPr lang="zh-CN" altLang="en-US" dirty="0" smtClean="0"/>
+              <a:t>所以如果某个</a:t>
+            </a:r>
+            <a:r>
+              <a:rPr lang="en-US" altLang="zh-CN" dirty="0" smtClean="0"/>
+              <a:t>View</a:t>
+            </a:r>
+            <a:r>
+              <a:rPr lang="zh-CN" altLang="en-US" dirty="0" smtClean="0"/>
+              <a:t>要设置依赖宽高的圆角，要在这些时机才能设置</a:t>
+            </a:r>
+            <a:endParaRPr lang="en-US" altLang="zh-CN" dirty="0" smtClean="0"/>
+          </a:p>
+          <a:p>
+            <a:r>
+              <a:rPr lang="en-US" altLang="zh-CN" dirty="0"/>
+              <a:t>- (void)</a:t>
+            </a:r>
+            <a:r>
+              <a:rPr lang="en-US" altLang="zh-CN" dirty="0" err="1"/>
+              <a:t>setNeedsLayout</a:t>
+            </a:r>
+            <a:r>
+              <a:rPr lang="en-US" altLang="zh-CN" dirty="0"/>
+              <a:t>;</a:t>
+            </a:r>
+          </a:p>
+          <a:p>
+            <a:r>
+              <a:rPr lang="en-US" altLang="zh-CN" dirty="0"/>
+              <a:t>- (void)</a:t>
+            </a:r>
+            <a:r>
+              <a:rPr lang="en-US" altLang="zh-CN" dirty="0" err="1"/>
+              <a:t>layoutIfNeeded</a:t>
+            </a:r>
+            <a:r>
+              <a:rPr lang="en-US" altLang="zh-CN" dirty="0"/>
+              <a:t>;</a:t>
+            </a:r>
+          </a:p>
+          <a:p>
+            <a:pPr marL="0" indent="0">
+              <a:buNone/>
+            </a:pPr>
+            <a:endParaRPr lang="en-US" altLang="zh-CN" dirty="0"/>
+          </a:p>
+          <a:p>
+            <a:pPr marL="0" indent="0">
+              <a:buNone/>
+            </a:pPr>
+            <a:endParaRPr lang="en-US" altLang="zh-CN" dirty="0"/>
+          </a:p>
+          <a:p>
             <a:endParaRPr kumimoji="1" lang="zh-CN" altLang="en-US" dirty="0"/>
           </a:p>
         </p:txBody>
@@ -5269,7 +5455,163 @@
     </p:spTree>
     <p:extLst>
       <p:ext uri="{BB962C8B-B14F-4D97-AF65-F5344CB8AC3E}">
-        <p14:creationId xmlns:p14="http://schemas.microsoft.com/office/powerpoint/2010/main" val="131489140"/>
+        <p14:creationId xmlns:p14="http://schemas.microsoft.com/office/powerpoint/2010/main" val="32001910"/>
+      </p:ext>
+    </p:extLst>
+  </p:cSld>
+  <p:clrMapOvr>
+    <a:masterClrMapping/>
+  </p:clrMapOvr>
+</p:sld>
+</file>
+
+<file path=ppt/slides/slide23.xml><?xml version="1.0" encoding="utf-8"?>
+<p:sld xmlns:a="http://schemas.openxmlformats.org/drawingml/2006/main" xmlns:r="http://schemas.openxmlformats.org/officeDocument/2006/relationships" xmlns:p="http://schemas.openxmlformats.org/presentationml/2006/main">
+  <p:cSld>
+    <p:spTree>
+      <p:nvGrpSpPr>
+        <p:cNvPr id="1" name=""/>
+        <p:cNvGrpSpPr/>
+        <p:nvPr/>
+      </p:nvGrpSpPr>
+      <p:grpSpPr>
+        <a:xfrm>
+          <a:off x="0" y="0"/>
+          <a:ext cx="0" cy="0"/>
+          <a:chOff x="0" y="0"/>
+          <a:chExt cx="0" cy="0"/>
+        </a:xfrm>
+      </p:grpSpPr>
+      <p:sp>
+        <p:nvSpPr>
+          <p:cNvPr id="2" name="标题 1"/>
+          <p:cNvSpPr>
+            <a:spLocks noGrp="1"/>
+          </p:cNvSpPr>
+          <p:nvPr>
+            <p:ph type="title"/>
+          </p:nvPr>
+        </p:nvSpPr>
+        <p:spPr/>
+        <p:txBody>
+          <a:bodyPr/>
+          <a:lstStyle/>
+          <a:p>
+            <a:r>
+              <a:rPr kumimoji="1" lang="zh-CN" altLang="en-US" dirty="0" smtClean="0"/>
+              <a:t>总结</a:t>
+            </a:r>
+            <a:endParaRPr kumimoji="1" lang="zh-CN" altLang="en-US" dirty="0"/>
+          </a:p>
+        </p:txBody>
+      </p:sp>
+      <p:sp>
+        <p:nvSpPr>
+          <p:cNvPr id="3" name="内容占位符 2"/>
+          <p:cNvSpPr>
+            <a:spLocks noGrp="1"/>
+          </p:cNvSpPr>
+          <p:nvPr>
+            <p:ph idx="1"/>
+          </p:nvPr>
+        </p:nvSpPr>
+        <p:spPr/>
+        <p:txBody>
+          <a:bodyPr/>
+          <a:lstStyle/>
+          <a:p>
+            <a:r>
+              <a:rPr kumimoji="1" lang="en-US" altLang="zh-CN" dirty="0" err="1" smtClean="0"/>
+              <a:t>AutoLayout</a:t>
+            </a:r>
+            <a:r>
+              <a:rPr kumimoji="1" lang="en-US" altLang="en-US" dirty="0" err="1" smtClean="0"/>
+              <a:t>比Frame</a:t>
+            </a:r>
+            <a:r>
+              <a:rPr kumimoji="1" lang="zh-CN" altLang="en-US" dirty="0" smtClean="0"/>
+              <a:t>更</a:t>
+            </a:r>
+            <a:r>
+              <a:rPr kumimoji="1" lang="en-US" altLang="en-US" dirty="0" smtClean="0"/>
+              <a:t>优雅</a:t>
+            </a:r>
+            <a:endParaRPr kumimoji="1" lang="zh-CN" altLang="en-US" dirty="0"/>
+          </a:p>
+        </p:txBody>
+      </p:sp>
+    </p:spTree>
+    <p:extLst>
+      <p:ext uri="{BB962C8B-B14F-4D97-AF65-F5344CB8AC3E}">
+        <p14:creationId xmlns:p14="http://schemas.microsoft.com/office/powerpoint/2010/main" val="2056609495"/>
+      </p:ext>
+    </p:extLst>
+  </p:cSld>
+  <p:clrMapOvr>
+    <a:masterClrMapping/>
+  </p:clrMapOvr>
+</p:sld>
+</file>
+
+<file path=ppt/slides/slide24.xml><?xml version="1.0" encoding="utf-8"?>
+<p:sld xmlns:a="http://schemas.openxmlformats.org/drawingml/2006/main" xmlns:r="http://schemas.openxmlformats.org/officeDocument/2006/relationships" xmlns:p="http://schemas.openxmlformats.org/presentationml/2006/main">
+  <p:cSld>
+    <p:spTree>
+      <p:nvGrpSpPr>
+        <p:cNvPr id="1" name=""/>
+        <p:cNvGrpSpPr/>
+        <p:nvPr/>
+      </p:nvGrpSpPr>
+      <p:grpSpPr>
+        <a:xfrm>
+          <a:off x="0" y="0"/>
+          <a:ext cx="0" cy="0"/>
+          <a:chOff x="0" y="0"/>
+          <a:chExt cx="0" cy="0"/>
+        </a:xfrm>
+      </p:grpSpPr>
+      <p:sp>
+        <p:nvSpPr>
+          <p:cNvPr id="2" name="标题 1"/>
+          <p:cNvSpPr>
+            <a:spLocks noGrp="1"/>
+          </p:cNvSpPr>
+          <p:nvPr>
+            <p:ph type="title"/>
+          </p:nvPr>
+        </p:nvSpPr>
+        <p:spPr/>
+        <p:txBody>
+          <a:bodyPr/>
+          <a:lstStyle/>
+          <a:p>
+            <a:endParaRPr kumimoji="1" lang="zh-CN" altLang="en-US"/>
+          </a:p>
+        </p:txBody>
+      </p:sp>
+      <p:sp>
+        <p:nvSpPr>
+          <p:cNvPr id="3" name="内容占位符 2"/>
+          <p:cNvSpPr>
+            <a:spLocks noGrp="1"/>
+          </p:cNvSpPr>
+          <p:nvPr>
+            <p:ph idx="1"/>
+          </p:nvPr>
+        </p:nvSpPr>
+        <p:spPr/>
+        <p:txBody>
+          <a:bodyPr/>
+          <a:lstStyle/>
+          <a:p>
+            <a:endParaRPr kumimoji="1" lang="zh-CN" altLang="en-US"/>
+          </a:p>
+        </p:txBody>
+      </p:sp>
+    </p:spTree>
+    <p:extLst>
+      <p:ext uri="{BB962C8B-B14F-4D97-AF65-F5344CB8AC3E}">
+        <p14:creationId xmlns:p14="http://schemas.microsoft.com/office/powerpoint/2010/main" val="1286592091"/>
       </p:ext>
     </p:extLst>
   </p:cSld>
@@ -5317,15 +5659,7 @@
             </a:r>
             <a:r>
               <a:rPr kumimoji="1" lang="zh-CN" altLang="en-US" dirty="0" smtClean="0"/>
-              <a:t>和</a:t>
-            </a:r>
-            <a:r>
-              <a:rPr kumimoji="1" lang="en-US" altLang="zh-CN" dirty="0" smtClean="0"/>
-              <a:t>Frame</a:t>
-            </a:r>
-            <a:r>
-              <a:rPr kumimoji="1" lang="zh-CN" altLang="en-US" dirty="0" smtClean="0"/>
-              <a:t>的关系</a:t>
+              <a:t>原理</a:t>
             </a:r>
             <a:endParaRPr kumimoji="1" lang="zh-CN" altLang="en-US" dirty="0"/>
           </a:p>
@@ -5347,29 +5681,77 @@
           <a:lstStyle/>
           <a:p>
             <a:r>
-              <a:rPr kumimoji="1" lang="en-US" altLang="zh-CN" dirty="0" err="1" smtClean="0"/>
+              <a:rPr lang="en-US" altLang="zh-CN" dirty="0" err="1" smtClean="0"/>
               <a:t>AutoLayout</a:t>
             </a:r>
             <a:r>
-              <a:rPr kumimoji="1" lang="en-US" altLang="en-US" dirty="0" err="1" smtClean="0"/>
-              <a:t>比Frame</a:t>
-            </a:r>
-            <a:r>
-              <a:rPr kumimoji="1" lang="zh-CN" altLang="en-US" dirty="0" smtClean="0"/>
-              <a:t>更</a:t>
-            </a:r>
-            <a:r>
-              <a:rPr kumimoji="1" lang="en-US" altLang="en-US" dirty="0" smtClean="0"/>
-              <a:t>优雅</a:t>
-            </a:r>
-            <a:endParaRPr kumimoji="1" lang="zh-CN" altLang="en-US" dirty="0"/>
+              <a:rPr lang="zh-CN" altLang="en-US" dirty="0" smtClean="0"/>
+              <a:t>基于</a:t>
+            </a:r>
+            <a:r>
+              <a:rPr lang="en-US" altLang="zh-CN" dirty="0" smtClean="0"/>
+              <a:t>Cassowary</a:t>
+            </a:r>
+            <a:r>
+              <a:rPr lang="zh-CN" altLang="en-US" dirty="0" smtClean="0"/>
+              <a:t>算法。它通过将布局问题抽象成线</a:t>
+            </a:r>
+            <a:r>
+              <a:rPr lang="zh-CN" altLang="en-US" dirty="0"/>
+              <a:t>性等式和不等式约束来进行求解</a:t>
+            </a:r>
+            <a:r>
+              <a:rPr lang="zh-CN" altLang="en-US" dirty="0" smtClean="0"/>
+              <a:t>。</a:t>
+            </a:r>
+            <a:endParaRPr lang="en-US" altLang="zh-CN" dirty="0" smtClean="0"/>
+          </a:p>
+          <a:p>
+            <a:endParaRPr lang="en-US" altLang="zh-CN" dirty="0" smtClean="0"/>
+          </a:p>
+          <a:p>
+            <a:r>
+              <a:rPr lang="en-US" altLang="zh-CN" dirty="0" err="1" smtClean="0"/>
+              <a:t>AutoLayout</a:t>
+            </a:r>
+            <a:r>
+              <a:rPr lang="zh-CN" altLang="en-US" dirty="0" smtClean="0"/>
+              <a:t>其实做了两件事情</a:t>
+            </a:r>
+            <a:endParaRPr lang="en-US" altLang="zh-CN" dirty="0" smtClean="0"/>
+          </a:p>
+          <a:p>
+            <a:pPr>
+              <a:buFontTx/>
+              <a:buChar char="-"/>
+            </a:pPr>
+            <a:r>
+              <a:rPr lang="zh-CN" altLang="en-US" dirty="0" smtClean="0"/>
+              <a:t>求解线性方程组</a:t>
+            </a:r>
+            <a:endParaRPr lang="en-US" altLang="zh-CN" dirty="0" smtClean="0"/>
+          </a:p>
+          <a:p>
+            <a:pPr>
+              <a:buFontTx/>
+              <a:buChar char="-"/>
+            </a:pPr>
+            <a:r>
+              <a:rPr lang="zh-CN" altLang="en-US" dirty="0" smtClean="0"/>
+              <a:t>设置</a:t>
+            </a:r>
+            <a:r>
+              <a:rPr lang="en-US" altLang="zh-CN" dirty="0" smtClean="0"/>
+              <a:t>frame</a:t>
+            </a:r>
+            <a:endParaRPr lang="zh-CN" altLang="en-US" dirty="0"/>
           </a:p>
         </p:txBody>
       </p:sp>
     </p:spTree>
     <p:extLst>
       <p:ext uri="{BB962C8B-B14F-4D97-AF65-F5344CB8AC3E}">
-        <p14:creationId xmlns:p14="http://schemas.microsoft.com/office/powerpoint/2010/main" val="2056609495"/>
+        <p14:creationId xmlns:p14="http://schemas.microsoft.com/office/powerpoint/2010/main" val="3202329635"/>
       </p:ext>
     </p:extLst>
   </p:cSld>
